--- a/springboot/SpringBoot-websocket.pptx
+++ b/springboot/SpringBoot-websocket.pptx
@@ -7,7 +7,26 @@
   <p:sldIdLst>
     <p:sldId id="256" r:id="rId2"/>
     <p:sldId id="257" r:id="rId3"/>
-    <p:sldId id="258" r:id="rId4"/>
+    <p:sldId id="264" r:id="rId4"/>
+    <p:sldId id="258" r:id="rId5"/>
+    <p:sldId id="259" r:id="rId6"/>
+    <p:sldId id="260" r:id="rId7"/>
+    <p:sldId id="261" r:id="rId8"/>
+    <p:sldId id="262" r:id="rId9"/>
+    <p:sldId id="263" r:id="rId10"/>
+    <p:sldId id="265" r:id="rId11"/>
+    <p:sldId id="266" r:id="rId12"/>
+    <p:sldId id="267" r:id="rId13"/>
+    <p:sldId id="268" r:id="rId14"/>
+    <p:sldId id="269" r:id="rId15"/>
+    <p:sldId id="270" r:id="rId16"/>
+    <p:sldId id="271" r:id="rId17"/>
+    <p:sldId id="272" r:id="rId18"/>
+    <p:sldId id="273" r:id="rId19"/>
+    <p:sldId id="277" r:id="rId20"/>
+    <p:sldId id="274" r:id="rId21"/>
+    <p:sldId id="275" r:id="rId22"/>
+    <p:sldId id="276" r:id="rId23"/>
   </p:sldIdLst>
   <p:sldSz cx="12192000" cy="6858000"/>
   <p:notesSz cx="6858000" cy="9144000"/>
@@ -106,6 +125,11 @@
       </a:defRPr>
     </a:lvl9pPr>
   </p:defaultTextStyle>
+  <p:extLst>
+    <p:ext uri="{EFAFB233-063F-42B5-8137-9DF3F51BA10A}">
+      <p15:sldGuideLst xmlns:p15="http://schemas.microsoft.com/office/powerpoint/2012/main"/>
+    </p:ext>
+  </p:extLst>
 </p:presentation>
 </file>
 
@@ -240,7 +264,7 @@
           <a:p>
             <a:fld id="{BEAD8FDE-0ADD-7343-AA63-A8DD5102CD70}" type="datetimeFigureOut">
               <a:rPr lang="en-US" smtClean="0"/>
-              <a:t>5/28/19</a:t>
+              <a:t>5/31/19</a:t>
             </a:fld>
             <a:endParaRPr lang="en-US"/>
           </a:p>
@@ -410,7 +434,7 @@
           <a:p>
             <a:fld id="{BEAD8FDE-0ADD-7343-AA63-A8DD5102CD70}" type="datetimeFigureOut">
               <a:rPr lang="en-US" smtClean="0"/>
-              <a:t>5/28/19</a:t>
+              <a:t>5/31/19</a:t>
             </a:fld>
             <a:endParaRPr lang="en-US"/>
           </a:p>
@@ -590,7 +614,7 @@
           <a:p>
             <a:fld id="{BEAD8FDE-0ADD-7343-AA63-A8DD5102CD70}" type="datetimeFigureOut">
               <a:rPr lang="en-US" smtClean="0"/>
-              <a:t>5/28/19</a:t>
+              <a:t>5/31/19</a:t>
             </a:fld>
             <a:endParaRPr lang="en-US"/>
           </a:p>
@@ -760,7 +784,7 @@
           <a:p>
             <a:fld id="{BEAD8FDE-0ADD-7343-AA63-A8DD5102CD70}" type="datetimeFigureOut">
               <a:rPr lang="en-US" smtClean="0"/>
-              <a:t>5/28/19</a:t>
+              <a:t>5/31/19</a:t>
             </a:fld>
             <a:endParaRPr lang="en-US"/>
           </a:p>
@@ -1006,7 +1030,7 @@
           <a:p>
             <a:fld id="{BEAD8FDE-0ADD-7343-AA63-A8DD5102CD70}" type="datetimeFigureOut">
               <a:rPr lang="en-US" smtClean="0"/>
-              <a:t>5/28/19</a:t>
+              <a:t>5/31/19</a:t>
             </a:fld>
             <a:endParaRPr lang="en-US"/>
           </a:p>
@@ -1238,7 +1262,7 @@
           <a:p>
             <a:fld id="{BEAD8FDE-0ADD-7343-AA63-A8DD5102CD70}" type="datetimeFigureOut">
               <a:rPr lang="en-US" smtClean="0"/>
-              <a:t>5/28/19</a:t>
+              <a:t>5/31/19</a:t>
             </a:fld>
             <a:endParaRPr lang="en-US"/>
           </a:p>
@@ -1605,7 +1629,7 @@
           <a:p>
             <a:fld id="{BEAD8FDE-0ADD-7343-AA63-A8DD5102CD70}" type="datetimeFigureOut">
               <a:rPr lang="en-US" smtClean="0"/>
-              <a:t>5/28/19</a:t>
+              <a:t>5/31/19</a:t>
             </a:fld>
             <a:endParaRPr lang="en-US"/>
           </a:p>
@@ -1723,7 +1747,7 @@
           <a:p>
             <a:fld id="{BEAD8FDE-0ADD-7343-AA63-A8DD5102CD70}" type="datetimeFigureOut">
               <a:rPr lang="en-US" smtClean="0"/>
-              <a:t>5/28/19</a:t>
+              <a:t>5/31/19</a:t>
             </a:fld>
             <a:endParaRPr lang="en-US"/>
           </a:p>
@@ -1818,7 +1842,7 @@
           <a:p>
             <a:fld id="{BEAD8FDE-0ADD-7343-AA63-A8DD5102CD70}" type="datetimeFigureOut">
               <a:rPr lang="en-US" smtClean="0"/>
-              <a:t>5/28/19</a:t>
+              <a:t>5/31/19</a:t>
             </a:fld>
             <a:endParaRPr lang="en-US"/>
           </a:p>
@@ -2095,7 +2119,7 @@
           <a:p>
             <a:fld id="{BEAD8FDE-0ADD-7343-AA63-A8DD5102CD70}" type="datetimeFigureOut">
               <a:rPr lang="en-US" smtClean="0"/>
-              <a:t>5/28/19</a:t>
+              <a:t>5/31/19</a:t>
             </a:fld>
             <a:endParaRPr lang="en-US"/>
           </a:p>
@@ -2348,7 +2372,7 @@
           <a:p>
             <a:fld id="{BEAD8FDE-0ADD-7343-AA63-A8DD5102CD70}" type="datetimeFigureOut">
               <a:rPr lang="en-US" smtClean="0"/>
-              <a:t>5/28/19</a:t>
+              <a:t>5/31/19</a:t>
             </a:fld>
             <a:endParaRPr lang="en-US"/>
           </a:p>
@@ -2561,7 +2585,7 @@
           <a:p>
             <a:fld id="{BEAD8FDE-0ADD-7343-AA63-A8DD5102CD70}" type="datetimeFigureOut">
               <a:rPr lang="en-US" smtClean="0"/>
-              <a:t>5/28/19</a:t>
+              <a:t>5/31/19</a:t>
             </a:fld>
             <a:endParaRPr lang="en-US"/>
           </a:p>
@@ -3029,6 +3053,1860 @@
 </p:sld>
 </file>
 
+<file path=ppt/slides/slide10.xml><?xml version="1.0" encoding="utf-8"?>
+<p:sld xmlns:a="http://schemas.openxmlformats.org/drawingml/2006/main" xmlns:r="http://schemas.openxmlformats.org/officeDocument/2006/relationships" xmlns:p="http://schemas.openxmlformats.org/presentationml/2006/main">
+  <p:cSld>
+    <p:spTree>
+      <p:nvGrpSpPr>
+        <p:cNvPr id="1" name=""/>
+        <p:cNvGrpSpPr/>
+        <p:nvPr/>
+      </p:nvGrpSpPr>
+      <p:grpSpPr>
+        <a:xfrm>
+          <a:off x="0" y="0"/>
+          <a:ext cx="0" cy="0"/>
+          <a:chOff x="0" y="0"/>
+          <a:chExt cx="0" cy="0"/>
+        </a:xfrm>
+      </p:grpSpPr>
+      <p:sp>
+        <p:nvSpPr>
+          <p:cNvPr id="2" name="Title 1"/>
+          <p:cNvSpPr>
+            <a:spLocks noGrp="1"/>
+          </p:cNvSpPr>
+          <p:nvPr>
+            <p:ph type="title"/>
+          </p:nvPr>
+        </p:nvSpPr>
+        <p:spPr/>
+        <p:txBody>
+          <a:bodyPr/>
+          <a:lstStyle/>
+          <a:p>
+            <a:r>
+              <a:rPr lang="en-US" b="1" dirty="0" err="1"/>
+              <a:t>WebSocket</a:t>
+            </a:r>
+            <a:r>
+              <a:rPr lang="en-US" b="1" dirty="0"/>
+              <a:t> </a:t>
+            </a:r>
+            <a:r>
+              <a:rPr lang="en-US" b="1" dirty="0" smtClean="0"/>
+              <a:t>事件</a:t>
+            </a:r>
+            <a:endParaRPr lang="en-US" dirty="0"/>
+          </a:p>
+        </p:txBody>
+      </p:sp>
+      <p:sp>
+        <p:nvSpPr>
+          <p:cNvPr id="3" name="Content Placeholder 2"/>
+          <p:cNvSpPr>
+            <a:spLocks noGrp="1"/>
+          </p:cNvSpPr>
+          <p:nvPr>
+            <p:ph idx="1"/>
+          </p:nvPr>
+        </p:nvSpPr>
+        <p:spPr/>
+        <p:txBody>
+          <a:bodyPr/>
+          <a:lstStyle/>
+          <a:p>
+            <a:r>
+              <a:rPr lang="zh-CN" altLang="en-US" dirty="0"/>
+              <a:t>以下是 </a:t>
+            </a:r>
+            <a:r>
+              <a:rPr lang="en-US" altLang="zh-CN" dirty="0" err="1"/>
+              <a:t>WebSocket</a:t>
+            </a:r>
+            <a:r>
+              <a:rPr lang="en-US" altLang="zh-CN" dirty="0"/>
+              <a:t> </a:t>
+            </a:r>
+            <a:r>
+              <a:rPr lang="zh-CN" altLang="en-US" dirty="0"/>
+              <a:t>对象的相关事件</a:t>
+            </a:r>
+            <a:r>
+              <a:rPr lang="zh-CN" altLang="en-US" dirty="0" smtClean="0"/>
+              <a:t>。</a:t>
+            </a:r>
+            <a:endParaRPr lang="en-US" dirty="0"/>
+          </a:p>
+        </p:txBody>
+      </p:sp>
+      <p:pic>
+        <p:nvPicPr>
+          <p:cNvPr id="4" name="Picture 3"/>
+          <p:cNvPicPr>
+            <a:picLocks noChangeAspect="1"/>
+          </p:cNvPicPr>
+          <p:nvPr/>
+        </p:nvPicPr>
+        <p:blipFill>
+          <a:blip r:embed="rId2"/>
+          <a:stretch>
+            <a:fillRect/>
+          </a:stretch>
+        </p:blipFill>
+        <p:spPr>
+          <a:xfrm>
+            <a:off x="838200" y="2389822"/>
+            <a:ext cx="10513815" cy="3542347"/>
+          </a:xfrm>
+          <a:prstGeom prst="rect">
+            <a:avLst/>
+          </a:prstGeom>
+        </p:spPr>
+      </p:pic>
+    </p:spTree>
+    <p:extLst>
+      <p:ext uri="{BB962C8B-B14F-4D97-AF65-F5344CB8AC3E}">
+        <p14:creationId xmlns:p14="http://schemas.microsoft.com/office/powerpoint/2010/main" val="1941543720"/>
+      </p:ext>
+    </p:extLst>
+  </p:cSld>
+  <p:clrMapOvr>
+    <a:masterClrMapping/>
+  </p:clrMapOvr>
+  <p:timing>
+    <p:tnLst>
+      <p:par>
+        <p:cTn id="1" dur="indefinite" restart="never" nodeType="tmRoot"/>
+      </p:par>
+    </p:tnLst>
+  </p:timing>
+</p:sld>
+</file>
+
+<file path=ppt/slides/slide11.xml><?xml version="1.0" encoding="utf-8"?>
+<p:sld xmlns:a="http://schemas.openxmlformats.org/drawingml/2006/main" xmlns:r="http://schemas.openxmlformats.org/officeDocument/2006/relationships" xmlns:p="http://schemas.openxmlformats.org/presentationml/2006/main">
+  <p:cSld>
+    <p:spTree>
+      <p:nvGrpSpPr>
+        <p:cNvPr id="1" name=""/>
+        <p:cNvGrpSpPr/>
+        <p:nvPr/>
+      </p:nvGrpSpPr>
+      <p:grpSpPr>
+        <a:xfrm>
+          <a:off x="0" y="0"/>
+          <a:ext cx="0" cy="0"/>
+          <a:chOff x="0" y="0"/>
+          <a:chExt cx="0" cy="0"/>
+        </a:xfrm>
+      </p:grpSpPr>
+      <p:sp>
+        <p:nvSpPr>
+          <p:cNvPr id="2" name="Title 1"/>
+          <p:cNvSpPr>
+            <a:spLocks noGrp="1"/>
+          </p:cNvSpPr>
+          <p:nvPr>
+            <p:ph type="title"/>
+          </p:nvPr>
+        </p:nvSpPr>
+        <p:spPr/>
+        <p:txBody>
+          <a:bodyPr/>
+          <a:lstStyle/>
+          <a:p>
+            <a:r>
+              <a:rPr lang="zh-CN" altLang="en-US" dirty="0" smtClean="0"/>
+              <a:t>服务端对于</a:t>
+            </a:r>
+            <a:r>
+              <a:rPr lang="en-US" altLang="zh-CN" dirty="0" err="1" smtClean="0"/>
+              <a:t>WebSocket</a:t>
+            </a:r>
+            <a:r>
+              <a:rPr lang="zh-CN" altLang="en-US" dirty="0" smtClean="0"/>
+              <a:t>的支持</a:t>
+            </a:r>
+            <a:endParaRPr lang="en-US" dirty="0"/>
+          </a:p>
+        </p:txBody>
+      </p:sp>
+      <p:sp>
+        <p:nvSpPr>
+          <p:cNvPr id="3" name="Content Placeholder 2"/>
+          <p:cNvSpPr>
+            <a:spLocks noGrp="1"/>
+          </p:cNvSpPr>
+          <p:nvPr>
+            <p:ph idx="1"/>
+          </p:nvPr>
+        </p:nvSpPr>
+        <p:spPr/>
+        <p:txBody>
+          <a:bodyPr/>
+          <a:lstStyle/>
+          <a:p>
+            <a:r>
+              <a:rPr lang="zh-CN" altLang="en-US" dirty="0" smtClean="0"/>
+              <a:t>提供了</a:t>
+            </a:r>
+            <a:r>
+              <a:rPr lang="en-US" altLang="zh-CN" dirty="0" smtClean="0"/>
+              <a:t>spring-boot-starter-</a:t>
+            </a:r>
+            <a:r>
+              <a:rPr lang="en-US" altLang="zh-CN" dirty="0" err="1" smtClean="0"/>
+              <a:t>websocket</a:t>
+            </a:r>
+            <a:endParaRPr lang="en-US" altLang="zh-CN" dirty="0" smtClean="0"/>
+          </a:p>
+          <a:p>
+            <a:r>
+              <a:rPr lang="zh-CN" altLang="en-US" dirty="0" smtClean="0"/>
+              <a:t>需要实现接口</a:t>
+            </a:r>
+            <a:r>
+              <a:rPr lang="en-US" dirty="0" err="1" smtClean="0"/>
+              <a:t>WebSocketHandler</a:t>
+            </a:r>
+            <a:endParaRPr lang="en-US" dirty="0" smtClean="0"/>
+          </a:p>
+          <a:p>
+            <a:endParaRPr lang="en-US" dirty="0"/>
+          </a:p>
+        </p:txBody>
+      </p:sp>
+      <p:pic>
+        <p:nvPicPr>
+          <p:cNvPr id="4" name="Picture 3"/>
+          <p:cNvPicPr>
+            <a:picLocks noChangeAspect="1"/>
+          </p:cNvPicPr>
+          <p:nvPr/>
+        </p:nvPicPr>
+        <p:blipFill>
+          <a:blip r:embed="rId2"/>
+          <a:stretch>
+            <a:fillRect/>
+          </a:stretch>
+        </p:blipFill>
+        <p:spPr>
+          <a:xfrm>
+            <a:off x="3103951" y="0"/>
+            <a:ext cx="9088049" cy="6858000"/>
+          </a:xfrm>
+          <a:prstGeom prst="rect">
+            <a:avLst/>
+          </a:prstGeom>
+        </p:spPr>
+      </p:pic>
+    </p:spTree>
+    <p:extLst>
+      <p:ext uri="{BB962C8B-B14F-4D97-AF65-F5344CB8AC3E}">
+        <p14:creationId xmlns:p14="http://schemas.microsoft.com/office/powerpoint/2010/main" val="201098725"/>
+      </p:ext>
+    </p:extLst>
+  </p:cSld>
+  <p:clrMapOvr>
+    <a:masterClrMapping/>
+  </p:clrMapOvr>
+  <p:timing>
+    <p:tnLst>
+      <p:par>
+        <p:cTn id="1" dur="indefinite" restart="never" nodeType="tmRoot">
+          <p:childTnLst>
+            <p:seq concurrent="1" nextAc="seek">
+              <p:cTn id="2" dur="indefinite" nodeType="mainSeq">
+                <p:childTnLst>
+                  <p:par>
+                    <p:cTn id="3" fill="hold">
+                      <p:stCondLst>
+                        <p:cond delay="indefinite"/>
+                      </p:stCondLst>
+                      <p:childTnLst>
+                        <p:par>
+                          <p:cTn id="4" fill="hold">
+                            <p:stCondLst>
+                              <p:cond delay="0"/>
+                            </p:stCondLst>
+                            <p:childTnLst>
+                              <p:par>
+                                <p:cTn id="5" presetID="1" presetClass="entr" presetSubtype="0" fill="hold" nodeType="clickEffect">
+                                  <p:stCondLst>
+                                    <p:cond delay="0"/>
+                                  </p:stCondLst>
+                                  <p:childTnLst>
+                                    <p:set>
+                                      <p:cBhvr>
+                                        <p:cTn id="6" dur="1" fill="hold">
+                                          <p:stCondLst>
+                                            <p:cond delay="0"/>
+                                          </p:stCondLst>
+                                        </p:cTn>
+                                        <p:tgtEl>
+                                          <p:spTgt spid="4"/>
+                                        </p:tgtEl>
+                                        <p:attrNameLst>
+                                          <p:attrName>style.visibility</p:attrName>
+                                        </p:attrNameLst>
+                                      </p:cBhvr>
+                                      <p:to>
+                                        <p:strVal val="visible"/>
+                                      </p:to>
+                                    </p:set>
+                                  </p:childTnLst>
+                                </p:cTn>
+                              </p:par>
+                            </p:childTnLst>
+                          </p:cTn>
+                        </p:par>
+                      </p:childTnLst>
+                    </p:cTn>
+                  </p:par>
+                </p:childTnLst>
+              </p:cTn>
+              <p:prevCondLst>
+                <p:cond evt="onPrev" delay="0">
+                  <p:tgtEl>
+                    <p:sldTgt/>
+                  </p:tgtEl>
+                </p:cond>
+              </p:prevCondLst>
+              <p:nextCondLst>
+                <p:cond evt="onNext" delay="0">
+                  <p:tgtEl>
+                    <p:sldTgt/>
+                  </p:tgtEl>
+                </p:cond>
+              </p:nextCondLst>
+            </p:seq>
+          </p:childTnLst>
+        </p:cTn>
+      </p:par>
+    </p:tnLst>
+  </p:timing>
+</p:sld>
+</file>
+
+<file path=ppt/slides/slide12.xml><?xml version="1.0" encoding="utf-8"?>
+<p:sld xmlns:a="http://schemas.openxmlformats.org/drawingml/2006/main" xmlns:r="http://schemas.openxmlformats.org/officeDocument/2006/relationships" xmlns:p="http://schemas.openxmlformats.org/presentationml/2006/main">
+  <p:cSld>
+    <p:spTree>
+      <p:nvGrpSpPr>
+        <p:cNvPr id="1" name=""/>
+        <p:cNvGrpSpPr/>
+        <p:nvPr/>
+      </p:nvGrpSpPr>
+      <p:grpSpPr>
+        <a:xfrm>
+          <a:off x="0" y="0"/>
+          <a:ext cx="0" cy="0"/>
+          <a:chOff x="0" y="0"/>
+          <a:chExt cx="0" cy="0"/>
+        </a:xfrm>
+      </p:grpSpPr>
+      <p:sp>
+        <p:nvSpPr>
+          <p:cNvPr id="2" name="Title 1"/>
+          <p:cNvSpPr>
+            <a:spLocks noGrp="1"/>
+          </p:cNvSpPr>
+          <p:nvPr>
+            <p:ph type="title"/>
+          </p:nvPr>
+        </p:nvSpPr>
+        <p:spPr/>
+        <p:txBody>
+          <a:bodyPr/>
+          <a:lstStyle/>
+          <a:p>
+            <a:r>
+              <a:rPr lang="zh-CN" altLang="en-US" dirty="0" smtClean="0"/>
+              <a:t>动手实践</a:t>
+            </a:r>
+            <a:endParaRPr lang="en-US" dirty="0"/>
+          </a:p>
+        </p:txBody>
+      </p:sp>
+      <p:sp>
+        <p:nvSpPr>
+          <p:cNvPr id="3" name="Content Placeholder 2"/>
+          <p:cNvSpPr>
+            <a:spLocks noGrp="1"/>
+          </p:cNvSpPr>
+          <p:nvPr>
+            <p:ph idx="1"/>
+          </p:nvPr>
+        </p:nvSpPr>
+        <p:spPr/>
+        <p:txBody>
+          <a:bodyPr/>
+          <a:lstStyle/>
+          <a:p>
+            <a:r>
+              <a:rPr lang="zh-CN" altLang="en-US" dirty="0" smtClean="0"/>
+              <a:t>用户输入</a:t>
+            </a:r>
+            <a:r>
+              <a:rPr lang="en-US" altLang="zh-CN" dirty="0" err="1" smtClean="0"/>
+              <a:t>myUserId</a:t>
+            </a:r>
+            <a:r>
+              <a:rPr lang="zh-CN" altLang="en-US" dirty="0" smtClean="0"/>
+              <a:t>进行连接</a:t>
+            </a:r>
+            <a:endParaRPr lang="en-US" altLang="zh-CN" dirty="0" smtClean="0"/>
+          </a:p>
+          <a:p>
+            <a:r>
+              <a:rPr lang="zh-CN" altLang="en-US" dirty="0" smtClean="0"/>
+              <a:t>可以选择</a:t>
+            </a:r>
+            <a:r>
+              <a:rPr lang="en-US" altLang="zh-CN" dirty="0" err="1" smtClean="0"/>
+              <a:t>toUserId</a:t>
+            </a:r>
+            <a:r>
+              <a:rPr lang="zh-CN" altLang="en-US" dirty="0" smtClean="0"/>
+              <a:t>进行单独发送</a:t>
+            </a:r>
+            <a:r>
+              <a:rPr lang="en-US" altLang="zh-CN" dirty="0" smtClean="0"/>
+              <a:t>message</a:t>
+            </a:r>
+          </a:p>
+          <a:p>
+            <a:r>
+              <a:rPr lang="zh-CN" altLang="en-US" dirty="0" smtClean="0"/>
+              <a:t>可以选择广播对所有用户发送</a:t>
+            </a:r>
+            <a:r>
+              <a:rPr lang="en-US" altLang="zh-CN" dirty="0" smtClean="0"/>
+              <a:t>message</a:t>
+            </a:r>
+          </a:p>
+          <a:p>
+            <a:endParaRPr lang="en-US" dirty="0"/>
+          </a:p>
+          <a:p>
+            <a:r>
+              <a:rPr lang="zh-CN" altLang="en-US" dirty="0" smtClean="0"/>
+              <a:t>附加题：</a:t>
+            </a:r>
+            <a:endParaRPr lang="en-US" altLang="zh-CN" dirty="0" smtClean="0"/>
+          </a:p>
+          <a:p>
+            <a:r>
+              <a:rPr lang="zh-CN" altLang="en-US" dirty="0" smtClean="0"/>
+              <a:t>每隔</a:t>
+            </a:r>
+            <a:r>
+              <a:rPr lang="en-US" altLang="zh-CN" dirty="0" smtClean="0"/>
+              <a:t>5</a:t>
+            </a:r>
+            <a:r>
+              <a:rPr lang="zh-CN" altLang="en-US" dirty="0" smtClean="0"/>
+              <a:t>秒广播当前时间和连接人数</a:t>
+            </a:r>
+            <a:endParaRPr lang="en-US" altLang="zh-CN" dirty="0" smtClean="0"/>
+          </a:p>
+          <a:p>
+            <a:r>
+              <a:rPr lang="zh-CN" altLang="en-US" dirty="0" smtClean="0"/>
+              <a:t>考虑分布式环境如何处理？</a:t>
+            </a:r>
+            <a:endParaRPr lang="en-US" dirty="0"/>
+          </a:p>
+        </p:txBody>
+      </p:sp>
+      <p:pic>
+        <p:nvPicPr>
+          <p:cNvPr id="4" name="Picture 3"/>
+          <p:cNvPicPr>
+            <a:picLocks noChangeAspect="1"/>
+          </p:cNvPicPr>
+          <p:nvPr/>
+        </p:nvPicPr>
+        <p:blipFill>
+          <a:blip r:embed="rId2"/>
+          <a:stretch>
+            <a:fillRect/>
+          </a:stretch>
+        </p:blipFill>
+        <p:spPr>
+          <a:xfrm>
+            <a:off x="7061200" y="4001294"/>
+            <a:ext cx="4813300" cy="2552700"/>
+          </a:xfrm>
+          <a:prstGeom prst="rect">
+            <a:avLst/>
+          </a:prstGeom>
+        </p:spPr>
+      </p:pic>
+    </p:spTree>
+    <p:extLst>
+      <p:ext uri="{BB962C8B-B14F-4D97-AF65-F5344CB8AC3E}">
+        <p14:creationId xmlns:p14="http://schemas.microsoft.com/office/powerpoint/2010/main" val="1599936900"/>
+      </p:ext>
+    </p:extLst>
+  </p:cSld>
+  <p:clrMapOvr>
+    <a:masterClrMapping/>
+  </p:clrMapOvr>
+  <p:timing>
+    <p:tnLst>
+      <p:par>
+        <p:cTn id="1" dur="indefinite" restart="never" nodeType="tmRoot"/>
+      </p:par>
+    </p:tnLst>
+  </p:timing>
+</p:sld>
+</file>
+
+<file path=ppt/slides/slide13.xml><?xml version="1.0" encoding="utf-8"?>
+<p:sld xmlns:a="http://schemas.openxmlformats.org/drawingml/2006/main" xmlns:r="http://schemas.openxmlformats.org/officeDocument/2006/relationships" xmlns:p="http://schemas.openxmlformats.org/presentationml/2006/main">
+  <p:cSld>
+    <p:spTree>
+      <p:nvGrpSpPr>
+        <p:cNvPr id="1" name=""/>
+        <p:cNvGrpSpPr/>
+        <p:nvPr/>
+      </p:nvGrpSpPr>
+      <p:grpSpPr>
+        <a:xfrm>
+          <a:off x="0" y="0"/>
+          <a:ext cx="0" cy="0"/>
+          <a:chOff x="0" y="0"/>
+          <a:chExt cx="0" cy="0"/>
+        </a:xfrm>
+      </p:grpSpPr>
+      <p:sp>
+        <p:nvSpPr>
+          <p:cNvPr id="2" name="Title 1"/>
+          <p:cNvSpPr>
+            <a:spLocks noGrp="1"/>
+          </p:cNvSpPr>
+          <p:nvPr>
+            <p:ph type="title"/>
+          </p:nvPr>
+        </p:nvSpPr>
+        <p:spPr/>
+        <p:txBody>
+          <a:bodyPr/>
+          <a:lstStyle/>
+          <a:p>
+            <a:r>
+              <a:rPr lang="zh-CN" altLang="en-US" dirty="0" smtClean="0"/>
+              <a:t>引入依赖</a:t>
+            </a:r>
+            <a:endParaRPr lang="en-US" dirty="0"/>
+          </a:p>
+        </p:txBody>
+      </p:sp>
+      <p:sp>
+        <p:nvSpPr>
+          <p:cNvPr id="3" name="Content Placeholder 2"/>
+          <p:cNvSpPr>
+            <a:spLocks noGrp="1"/>
+          </p:cNvSpPr>
+          <p:nvPr>
+            <p:ph idx="1"/>
+          </p:nvPr>
+        </p:nvSpPr>
+        <p:spPr/>
+        <p:txBody>
+          <a:bodyPr>
+            <a:normAutofit lnSpcReduction="10000"/>
+          </a:bodyPr>
+          <a:lstStyle/>
+          <a:p>
+            <a:r>
+              <a:rPr lang="en-US" dirty="0"/>
+              <a:t>&lt;dependency&gt;</a:t>
+            </a:r>
+            <a:br>
+              <a:rPr lang="en-US" dirty="0"/>
+            </a:br>
+            <a:r>
+              <a:rPr lang="en-US" dirty="0"/>
+              <a:t>  &lt;</a:t>
+            </a:r>
+            <a:r>
+              <a:rPr lang="en-US" dirty="0" err="1"/>
+              <a:t>groupId</a:t>
+            </a:r>
+            <a:r>
+              <a:rPr lang="en-US" dirty="0"/>
+              <a:t>&gt;</a:t>
+            </a:r>
+            <a:r>
+              <a:rPr lang="en-US" dirty="0" err="1"/>
+              <a:t>org.springframework.boot</a:t>
+            </a:r>
+            <a:r>
+              <a:rPr lang="en-US" dirty="0"/>
+              <a:t>&lt;/</a:t>
+            </a:r>
+            <a:r>
+              <a:rPr lang="en-US" dirty="0" err="1"/>
+              <a:t>groupId</a:t>
+            </a:r>
+            <a:r>
+              <a:rPr lang="en-US" dirty="0"/>
+              <a:t>&gt;</a:t>
+            </a:r>
+            <a:br>
+              <a:rPr lang="en-US" dirty="0"/>
+            </a:br>
+            <a:r>
+              <a:rPr lang="en-US" dirty="0"/>
+              <a:t>  &lt;</a:t>
+            </a:r>
+            <a:r>
+              <a:rPr lang="en-US" dirty="0" err="1"/>
+              <a:t>artifactId</a:t>
+            </a:r>
+            <a:r>
+              <a:rPr lang="en-US" dirty="0"/>
+              <a:t>&gt;</a:t>
+            </a:r>
+            <a:r>
+              <a:rPr lang="en-US" dirty="0"/>
+              <a:t>spring-boot-starter-</a:t>
+            </a:r>
+            <a:r>
+              <a:rPr lang="en-US" dirty="0" err="1"/>
+              <a:t>thymeleaf</a:t>
+            </a:r>
+            <a:r>
+              <a:rPr lang="en-US" dirty="0"/>
+              <a:t>&lt;/</a:t>
+            </a:r>
+            <a:r>
+              <a:rPr lang="en-US" dirty="0" err="1"/>
+              <a:t>artifactId</a:t>
+            </a:r>
+            <a:r>
+              <a:rPr lang="en-US" dirty="0"/>
+              <a:t>&gt;</a:t>
+            </a:r>
+            <a:br>
+              <a:rPr lang="en-US" dirty="0"/>
+            </a:br>
+            <a:r>
+              <a:rPr lang="en-US" dirty="0"/>
+              <a:t>&lt;/dependency&gt;</a:t>
+            </a:r>
+            <a:br>
+              <a:rPr lang="en-US" dirty="0"/>
+            </a:br>
+            <a:r>
+              <a:rPr lang="en-US" dirty="0"/>
+              <a:t>&lt;dependency&gt;</a:t>
+            </a:r>
+            <a:br>
+              <a:rPr lang="en-US" dirty="0"/>
+            </a:br>
+            <a:r>
+              <a:rPr lang="en-US" dirty="0"/>
+              <a:t>  &lt;</a:t>
+            </a:r>
+            <a:r>
+              <a:rPr lang="en-US" dirty="0" err="1"/>
+              <a:t>groupId</a:t>
+            </a:r>
+            <a:r>
+              <a:rPr lang="en-US" dirty="0"/>
+              <a:t>&gt;</a:t>
+            </a:r>
+            <a:r>
+              <a:rPr lang="en-US" dirty="0" err="1"/>
+              <a:t>org.springframework.boot</a:t>
+            </a:r>
+            <a:r>
+              <a:rPr lang="en-US" dirty="0"/>
+              <a:t>&lt;/</a:t>
+            </a:r>
+            <a:r>
+              <a:rPr lang="en-US" dirty="0" err="1"/>
+              <a:t>groupId</a:t>
+            </a:r>
+            <a:r>
+              <a:rPr lang="en-US" dirty="0"/>
+              <a:t>&gt;</a:t>
+            </a:r>
+            <a:br>
+              <a:rPr lang="en-US" dirty="0"/>
+            </a:br>
+            <a:r>
+              <a:rPr lang="en-US" dirty="0"/>
+              <a:t>  &lt;</a:t>
+            </a:r>
+            <a:r>
+              <a:rPr lang="en-US" dirty="0" err="1"/>
+              <a:t>artifactId</a:t>
+            </a:r>
+            <a:r>
+              <a:rPr lang="en-US" dirty="0"/>
+              <a:t>&gt;</a:t>
+            </a:r>
+            <a:r>
+              <a:rPr lang="en-US" dirty="0"/>
+              <a:t>spring-boot-starter-web</a:t>
+            </a:r>
+            <a:r>
+              <a:rPr lang="en-US" dirty="0"/>
+              <a:t>&lt;/</a:t>
+            </a:r>
+            <a:r>
+              <a:rPr lang="en-US" dirty="0" err="1"/>
+              <a:t>artifactId</a:t>
+            </a:r>
+            <a:r>
+              <a:rPr lang="en-US" dirty="0"/>
+              <a:t>&gt;</a:t>
+            </a:r>
+            <a:br>
+              <a:rPr lang="en-US" dirty="0"/>
+            </a:br>
+            <a:r>
+              <a:rPr lang="en-US" dirty="0"/>
+              <a:t>&lt;/dependency&gt;</a:t>
+            </a:r>
+            <a:br>
+              <a:rPr lang="en-US" dirty="0"/>
+            </a:br>
+            <a:r>
+              <a:rPr lang="en-US" dirty="0"/>
+              <a:t>&lt;dependency&gt;</a:t>
+            </a:r>
+            <a:br>
+              <a:rPr lang="en-US" dirty="0"/>
+            </a:br>
+            <a:r>
+              <a:rPr lang="en-US" dirty="0"/>
+              <a:t>  &lt;</a:t>
+            </a:r>
+            <a:r>
+              <a:rPr lang="en-US" dirty="0" err="1"/>
+              <a:t>groupId</a:t>
+            </a:r>
+            <a:r>
+              <a:rPr lang="en-US" dirty="0"/>
+              <a:t>&gt;</a:t>
+            </a:r>
+            <a:r>
+              <a:rPr lang="en-US" dirty="0" err="1"/>
+              <a:t>org.springframework.boot</a:t>
+            </a:r>
+            <a:r>
+              <a:rPr lang="en-US" dirty="0"/>
+              <a:t>&lt;/</a:t>
+            </a:r>
+            <a:r>
+              <a:rPr lang="en-US" dirty="0" err="1"/>
+              <a:t>groupId</a:t>
+            </a:r>
+            <a:r>
+              <a:rPr lang="en-US" dirty="0"/>
+              <a:t>&gt;</a:t>
+            </a:r>
+            <a:br>
+              <a:rPr lang="en-US" dirty="0"/>
+            </a:br>
+            <a:r>
+              <a:rPr lang="en-US" dirty="0"/>
+              <a:t>  &lt;</a:t>
+            </a:r>
+            <a:r>
+              <a:rPr lang="en-US" dirty="0" err="1"/>
+              <a:t>artifactId</a:t>
+            </a:r>
+            <a:r>
+              <a:rPr lang="en-US" dirty="0"/>
+              <a:t>&gt;</a:t>
+            </a:r>
+            <a:r>
+              <a:rPr lang="en-US" dirty="0"/>
+              <a:t>spring-boot-starter-</a:t>
+            </a:r>
+            <a:r>
+              <a:rPr lang="en-US" dirty="0" err="1"/>
+              <a:t>websocket</a:t>
+            </a:r>
+            <a:r>
+              <a:rPr lang="en-US" dirty="0"/>
+              <a:t>&lt;/</a:t>
+            </a:r>
+            <a:r>
+              <a:rPr lang="en-US" dirty="0" err="1"/>
+              <a:t>artifactId</a:t>
+            </a:r>
+            <a:r>
+              <a:rPr lang="en-US" dirty="0"/>
+              <a:t>&gt;</a:t>
+            </a:r>
+            <a:br>
+              <a:rPr lang="en-US" dirty="0"/>
+            </a:br>
+            <a:r>
+              <a:rPr lang="en-US" dirty="0"/>
+              <a:t>&lt;/dependency&gt;</a:t>
+            </a:r>
+            <a:endParaRPr lang="en-US" dirty="0"/>
+          </a:p>
+        </p:txBody>
+      </p:sp>
+    </p:spTree>
+    <p:extLst>
+      <p:ext uri="{BB962C8B-B14F-4D97-AF65-F5344CB8AC3E}">
+        <p14:creationId xmlns:p14="http://schemas.microsoft.com/office/powerpoint/2010/main" val="604975567"/>
+      </p:ext>
+    </p:extLst>
+  </p:cSld>
+  <p:clrMapOvr>
+    <a:masterClrMapping/>
+  </p:clrMapOvr>
+  <p:timing>
+    <p:tnLst>
+      <p:par>
+        <p:cTn id="1" dur="indefinite" restart="never" nodeType="tmRoot"/>
+      </p:par>
+    </p:tnLst>
+  </p:timing>
+</p:sld>
+</file>
+
+<file path=ppt/slides/slide14.xml><?xml version="1.0" encoding="utf-8"?>
+<p:sld xmlns:a="http://schemas.openxmlformats.org/drawingml/2006/main" xmlns:r="http://schemas.openxmlformats.org/officeDocument/2006/relationships" xmlns:p="http://schemas.openxmlformats.org/presentationml/2006/main">
+  <p:cSld>
+    <p:spTree>
+      <p:nvGrpSpPr>
+        <p:cNvPr id="1" name=""/>
+        <p:cNvGrpSpPr/>
+        <p:nvPr/>
+      </p:nvGrpSpPr>
+      <p:grpSpPr>
+        <a:xfrm>
+          <a:off x="0" y="0"/>
+          <a:ext cx="0" cy="0"/>
+          <a:chOff x="0" y="0"/>
+          <a:chExt cx="0" cy="0"/>
+        </a:xfrm>
+      </p:grpSpPr>
+      <p:sp>
+        <p:nvSpPr>
+          <p:cNvPr id="2" name="Title 1"/>
+          <p:cNvSpPr>
+            <a:spLocks noGrp="1"/>
+          </p:cNvSpPr>
+          <p:nvPr>
+            <p:ph type="title"/>
+          </p:nvPr>
+        </p:nvSpPr>
+        <p:spPr/>
+        <p:txBody>
+          <a:bodyPr/>
+          <a:lstStyle/>
+          <a:p>
+            <a:r>
+              <a:rPr lang="zh-CN" altLang="en-US" dirty="0" smtClean="0"/>
+              <a:t>引入依赖</a:t>
+            </a:r>
+            <a:endParaRPr lang="en-US" dirty="0"/>
+          </a:p>
+        </p:txBody>
+      </p:sp>
+      <p:sp>
+        <p:nvSpPr>
+          <p:cNvPr id="3" name="Content Placeholder 2"/>
+          <p:cNvSpPr>
+            <a:spLocks noGrp="1"/>
+          </p:cNvSpPr>
+          <p:nvPr>
+            <p:ph idx="1"/>
+          </p:nvPr>
+        </p:nvSpPr>
+        <p:spPr>
+          <a:xfrm>
+            <a:off x="838200" y="1825624"/>
+            <a:ext cx="10515600" cy="4918075"/>
+          </a:xfrm>
+        </p:spPr>
+        <p:txBody>
+          <a:bodyPr>
+            <a:normAutofit fontScale="92500" lnSpcReduction="10000"/>
+          </a:bodyPr>
+          <a:lstStyle/>
+          <a:p>
+            <a:r>
+              <a:rPr lang="en-US" dirty="0"/>
+              <a:t>&lt;dependency&gt;</a:t>
+            </a:r>
+            <a:br>
+              <a:rPr lang="en-US" dirty="0"/>
+            </a:br>
+            <a:r>
+              <a:rPr lang="en-US" dirty="0"/>
+              <a:t>  &lt;</a:t>
+            </a:r>
+            <a:r>
+              <a:rPr lang="en-US" dirty="0" err="1"/>
+              <a:t>groupId</a:t>
+            </a:r>
+            <a:r>
+              <a:rPr lang="en-US" dirty="0"/>
+              <a:t>&gt;</a:t>
+            </a:r>
+            <a:r>
+              <a:rPr lang="en-US" dirty="0" err="1"/>
+              <a:t>com.google.guava</a:t>
+            </a:r>
+            <a:r>
+              <a:rPr lang="en-US" dirty="0"/>
+              <a:t>&lt;/</a:t>
+            </a:r>
+            <a:r>
+              <a:rPr lang="en-US" dirty="0" err="1"/>
+              <a:t>groupId</a:t>
+            </a:r>
+            <a:r>
+              <a:rPr lang="en-US" dirty="0"/>
+              <a:t>&gt;</a:t>
+            </a:r>
+            <a:br>
+              <a:rPr lang="en-US" dirty="0"/>
+            </a:br>
+            <a:r>
+              <a:rPr lang="en-US" dirty="0"/>
+              <a:t>  &lt;</a:t>
+            </a:r>
+            <a:r>
+              <a:rPr lang="en-US" dirty="0" err="1"/>
+              <a:t>artifactId</a:t>
+            </a:r>
+            <a:r>
+              <a:rPr lang="en-US" dirty="0"/>
+              <a:t>&gt;</a:t>
+            </a:r>
+            <a:r>
+              <a:rPr lang="en-US" dirty="0"/>
+              <a:t>guava</a:t>
+            </a:r>
+            <a:r>
+              <a:rPr lang="en-US" dirty="0"/>
+              <a:t>&lt;/</a:t>
+            </a:r>
+            <a:r>
+              <a:rPr lang="en-US" dirty="0" err="1"/>
+              <a:t>artifactId</a:t>
+            </a:r>
+            <a:r>
+              <a:rPr lang="en-US" dirty="0"/>
+              <a:t>&gt;</a:t>
+            </a:r>
+            <a:br>
+              <a:rPr lang="en-US" dirty="0"/>
+            </a:br>
+            <a:r>
+              <a:rPr lang="en-US" dirty="0"/>
+              <a:t>  &lt;version&gt;</a:t>
+            </a:r>
+            <a:r>
+              <a:rPr lang="en-US" dirty="0"/>
+              <a:t>27.1-jre</a:t>
+            </a:r>
+            <a:r>
+              <a:rPr lang="en-US" dirty="0"/>
+              <a:t>&lt;/version&gt;</a:t>
+            </a:r>
+            <a:br>
+              <a:rPr lang="en-US" dirty="0"/>
+            </a:br>
+            <a:r>
+              <a:rPr lang="en-US" dirty="0"/>
+              <a:t>&lt;/dependency&gt;</a:t>
+            </a:r>
+            <a:br>
+              <a:rPr lang="en-US" dirty="0"/>
+            </a:br>
+            <a:r>
+              <a:rPr lang="en-US" dirty="0" smtClean="0"/>
+              <a:t>&lt;</a:t>
+            </a:r>
+            <a:r>
+              <a:rPr lang="en-US" dirty="0"/>
+              <a:t>dependency&gt;</a:t>
+            </a:r>
+            <a:br>
+              <a:rPr lang="en-US" dirty="0"/>
+            </a:br>
+            <a:r>
+              <a:rPr lang="en-US" dirty="0"/>
+              <a:t>  &lt;</a:t>
+            </a:r>
+            <a:r>
+              <a:rPr lang="en-US" dirty="0" err="1"/>
+              <a:t>groupId</a:t>
+            </a:r>
+            <a:r>
+              <a:rPr lang="en-US" dirty="0"/>
+              <a:t>&gt;</a:t>
+            </a:r>
+            <a:r>
+              <a:rPr lang="en-US" dirty="0" err="1"/>
+              <a:t>org.apache.commons</a:t>
+            </a:r>
+            <a:r>
+              <a:rPr lang="en-US" dirty="0"/>
+              <a:t>&lt;/</a:t>
+            </a:r>
+            <a:r>
+              <a:rPr lang="en-US" dirty="0" err="1"/>
+              <a:t>groupId</a:t>
+            </a:r>
+            <a:r>
+              <a:rPr lang="en-US" dirty="0"/>
+              <a:t>&gt;</a:t>
+            </a:r>
+            <a:br>
+              <a:rPr lang="en-US" dirty="0"/>
+            </a:br>
+            <a:r>
+              <a:rPr lang="en-US" dirty="0"/>
+              <a:t>  &lt;</a:t>
+            </a:r>
+            <a:r>
+              <a:rPr lang="en-US" dirty="0" err="1"/>
+              <a:t>artifactId</a:t>
+            </a:r>
+            <a:r>
+              <a:rPr lang="en-US" dirty="0"/>
+              <a:t>&gt;</a:t>
+            </a:r>
+            <a:r>
+              <a:rPr lang="en-US" dirty="0"/>
+              <a:t>commons-lang3</a:t>
+            </a:r>
+            <a:r>
+              <a:rPr lang="en-US" dirty="0"/>
+              <a:t>&lt;/</a:t>
+            </a:r>
+            <a:r>
+              <a:rPr lang="en-US" dirty="0" err="1"/>
+              <a:t>artifactId</a:t>
+            </a:r>
+            <a:r>
+              <a:rPr lang="en-US" dirty="0"/>
+              <a:t>&gt;</a:t>
+            </a:r>
+            <a:br>
+              <a:rPr lang="en-US" dirty="0"/>
+            </a:br>
+            <a:r>
+              <a:rPr lang="en-US" dirty="0"/>
+              <a:t>  &lt;version&gt;</a:t>
+            </a:r>
+            <a:r>
+              <a:rPr lang="en-US" dirty="0"/>
+              <a:t>3.9</a:t>
+            </a:r>
+            <a:r>
+              <a:rPr lang="en-US" dirty="0"/>
+              <a:t>&lt;/version&gt;</a:t>
+            </a:r>
+            <a:br>
+              <a:rPr lang="en-US" dirty="0"/>
+            </a:br>
+            <a:r>
+              <a:rPr lang="en-US" dirty="0"/>
+              <a:t>&lt;/dependency</a:t>
+            </a:r>
+            <a:r>
+              <a:rPr lang="en-US" dirty="0" smtClean="0"/>
+              <a:t>&gt;</a:t>
+            </a:r>
+            <a:r>
+              <a:rPr lang="en-US" dirty="0"/>
+              <a:t/>
+            </a:r>
+            <a:br>
+              <a:rPr lang="en-US" dirty="0"/>
+            </a:br>
+            <a:r>
+              <a:rPr lang="en-US" dirty="0"/>
+              <a:t>&lt;dependency&gt;</a:t>
+            </a:r>
+            <a:br>
+              <a:rPr lang="en-US" dirty="0"/>
+            </a:br>
+            <a:r>
+              <a:rPr lang="en-US" dirty="0"/>
+              <a:t>  &lt;</a:t>
+            </a:r>
+            <a:r>
+              <a:rPr lang="en-US" dirty="0" err="1"/>
+              <a:t>groupId</a:t>
+            </a:r>
+            <a:r>
+              <a:rPr lang="en-US" dirty="0"/>
+              <a:t>&gt;</a:t>
+            </a:r>
+            <a:r>
+              <a:rPr lang="en-US" dirty="0" err="1"/>
+              <a:t>com.alibaba</a:t>
+            </a:r>
+            <a:r>
+              <a:rPr lang="en-US" dirty="0"/>
+              <a:t>&lt;/</a:t>
+            </a:r>
+            <a:r>
+              <a:rPr lang="en-US" dirty="0" err="1"/>
+              <a:t>groupId</a:t>
+            </a:r>
+            <a:r>
+              <a:rPr lang="en-US" dirty="0"/>
+              <a:t>&gt;</a:t>
+            </a:r>
+            <a:br>
+              <a:rPr lang="en-US" dirty="0"/>
+            </a:br>
+            <a:r>
+              <a:rPr lang="en-US" dirty="0"/>
+              <a:t>  &lt;</a:t>
+            </a:r>
+            <a:r>
+              <a:rPr lang="en-US" dirty="0" err="1"/>
+              <a:t>artifactId</a:t>
+            </a:r>
+            <a:r>
+              <a:rPr lang="en-US" dirty="0"/>
+              <a:t>&gt;</a:t>
+            </a:r>
+            <a:r>
+              <a:rPr lang="en-US" dirty="0" err="1"/>
+              <a:t>fastjson</a:t>
+            </a:r>
+            <a:r>
+              <a:rPr lang="en-US" dirty="0"/>
+              <a:t>&lt;/</a:t>
+            </a:r>
+            <a:r>
+              <a:rPr lang="en-US" dirty="0" err="1"/>
+              <a:t>artifactId</a:t>
+            </a:r>
+            <a:r>
+              <a:rPr lang="en-US" dirty="0"/>
+              <a:t>&gt;</a:t>
+            </a:r>
+            <a:br>
+              <a:rPr lang="en-US" dirty="0"/>
+            </a:br>
+            <a:r>
+              <a:rPr lang="en-US" dirty="0"/>
+              <a:t>  &lt;version&gt;</a:t>
+            </a:r>
+            <a:r>
+              <a:rPr lang="en-US" dirty="0"/>
+              <a:t>1.2.58</a:t>
+            </a:r>
+            <a:r>
+              <a:rPr lang="en-US" dirty="0"/>
+              <a:t>&lt;/version&gt;</a:t>
+            </a:r>
+            <a:br>
+              <a:rPr lang="en-US" dirty="0"/>
+            </a:br>
+            <a:r>
+              <a:rPr lang="en-US" dirty="0"/>
+              <a:t>&lt;/dependency&gt;</a:t>
+            </a:r>
+            <a:endParaRPr lang="en-US" dirty="0"/>
+          </a:p>
+        </p:txBody>
+      </p:sp>
+    </p:spTree>
+    <p:extLst>
+      <p:ext uri="{BB962C8B-B14F-4D97-AF65-F5344CB8AC3E}">
+        <p14:creationId xmlns:p14="http://schemas.microsoft.com/office/powerpoint/2010/main" val="2123434508"/>
+      </p:ext>
+    </p:extLst>
+  </p:cSld>
+  <p:clrMapOvr>
+    <a:masterClrMapping/>
+  </p:clrMapOvr>
+  <p:timing>
+    <p:tnLst>
+      <p:par>
+        <p:cTn id="1" dur="indefinite" restart="never" nodeType="tmRoot"/>
+      </p:par>
+    </p:tnLst>
+  </p:timing>
+</p:sld>
+</file>
+
+<file path=ppt/slides/slide15.xml><?xml version="1.0" encoding="utf-8"?>
+<p:sld xmlns:a="http://schemas.openxmlformats.org/drawingml/2006/main" xmlns:r="http://schemas.openxmlformats.org/officeDocument/2006/relationships" xmlns:p="http://schemas.openxmlformats.org/presentationml/2006/main">
+  <p:cSld>
+    <p:spTree>
+      <p:nvGrpSpPr>
+        <p:cNvPr id="1" name=""/>
+        <p:cNvGrpSpPr/>
+        <p:nvPr/>
+      </p:nvGrpSpPr>
+      <p:grpSpPr>
+        <a:xfrm>
+          <a:off x="0" y="0"/>
+          <a:ext cx="0" cy="0"/>
+          <a:chOff x="0" y="0"/>
+          <a:chExt cx="0" cy="0"/>
+        </a:xfrm>
+      </p:grpSpPr>
+      <p:sp>
+        <p:nvSpPr>
+          <p:cNvPr id="2" name="Title 1"/>
+          <p:cNvSpPr>
+            <a:spLocks noGrp="1"/>
+          </p:cNvSpPr>
+          <p:nvPr>
+            <p:ph type="title"/>
+          </p:nvPr>
+        </p:nvSpPr>
+        <p:spPr/>
+        <p:txBody>
+          <a:bodyPr/>
+          <a:lstStyle/>
+          <a:p>
+            <a:r>
+              <a:rPr lang="zh-CN" altLang="en-US" dirty="0" smtClean="0"/>
+              <a:t>创建</a:t>
+            </a:r>
+            <a:r>
+              <a:rPr lang="en-US" dirty="0" err="1"/>
+              <a:t>MyWebSocketHandler</a:t>
+            </a:r>
+            <a:endParaRPr lang="en-US" dirty="0"/>
+          </a:p>
+        </p:txBody>
+      </p:sp>
+      <p:sp>
+        <p:nvSpPr>
+          <p:cNvPr id="3" name="Content Placeholder 2"/>
+          <p:cNvSpPr>
+            <a:spLocks noGrp="1"/>
+          </p:cNvSpPr>
+          <p:nvPr>
+            <p:ph idx="1"/>
+          </p:nvPr>
+        </p:nvSpPr>
+        <p:spPr/>
+        <p:txBody>
+          <a:bodyPr/>
+          <a:lstStyle/>
+          <a:p>
+            <a:endParaRPr lang="en-US"/>
+          </a:p>
+        </p:txBody>
+      </p:sp>
+      <p:pic>
+        <p:nvPicPr>
+          <p:cNvPr id="4" name="Picture 3"/>
+          <p:cNvPicPr>
+            <a:picLocks noChangeAspect="1"/>
+          </p:cNvPicPr>
+          <p:nvPr/>
+        </p:nvPicPr>
+        <p:blipFill>
+          <a:blip r:embed="rId2"/>
+          <a:stretch>
+            <a:fillRect/>
+          </a:stretch>
+        </p:blipFill>
+        <p:spPr>
+          <a:xfrm>
+            <a:off x="169862" y="1715294"/>
+            <a:ext cx="11595100" cy="4572000"/>
+          </a:xfrm>
+          <a:prstGeom prst="rect">
+            <a:avLst/>
+          </a:prstGeom>
+        </p:spPr>
+      </p:pic>
+    </p:spTree>
+    <p:extLst>
+      <p:ext uri="{BB962C8B-B14F-4D97-AF65-F5344CB8AC3E}">
+        <p14:creationId xmlns:p14="http://schemas.microsoft.com/office/powerpoint/2010/main" val="1234441206"/>
+      </p:ext>
+    </p:extLst>
+  </p:cSld>
+  <p:clrMapOvr>
+    <a:masterClrMapping/>
+  </p:clrMapOvr>
+  <p:timing>
+    <p:tnLst>
+      <p:par>
+        <p:cTn id="1" dur="indefinite" restart="never" nodeType="tmRoot"/>
+      </p:par>
+    </p:tnLst>
+  </p:timing>
+</p:sld>
+</file>
+
+<file path=ppt/slides/slide16.xml><?xml version="1.0" encoding="utf-8"?>
+<p:sld xmlns:a="http://schemas.openxmlformats.org/drawingml/2006/main" xmlns:r="http://schemas.openxmlformats.org/officeDocument/2006/relationships" xmlns:p="http://schemas.openxmlformats.org/presentationml/2006/main">
+  <p:cSld>
+    <p:spTree>
+      <p:nvGrpSpPr>
+        <p:cNvPr id="1" name=""/>
+        <p:cNvGrpSpPr/>
+        <p:nvPr/>
+      </p:nvGrpSpPr>
+      <p:grpSpPr>
+        <a:xfrm>
+          <a:off x="0" y="0"/>
+          <a:ext cx="0" cy="0"/>
+          <a:chOff x="0" y="0"/>
+          <a:chExt cx="0" cy="0"/>
+        </a:xfrm>
+      </p:grpSpPr>
+      <p:sp>
+        <p:nvSpPr>
+          <p:cNvPr id="2" name="Title 1"/>
+          <p:cNvSpPr>
+            <a:spLocks noGrp="1"/>
+          </p:cNvSpPr>
+          <p:nvPr>
+            <p:ph type="title"/>
+          </p:nvPr>
+        </p:nvSpPr>
+        <p:spPr/>
+        <p:txBody>
+          <a:bodyPr/>
+          <a:lstStyle/>
+          <a:p>
+            <a:r>
+              <a:rPr lang="zh-CN" altLang="en-US" dirty="0"/>
+              <a:t>创建</a:t>
+            </a:r>
+            <a:r>
+              <a:rPr lang="en-US" dirty="0" err="1"/>
+              <a:t>MyWebSocketHandler</a:t>
+            </a:r>
+            <a:endParaRPr lang="en-US" dirty="0"/>
+          </a:p>
+        </p:txBody>
+      </p:sp>
+      <p:sp>
+        <p:nvSpPr>
+          <p:cNvPr id="3" name="Content Placeholder 2"/>
+          <p:cNvSpPr>
+            <a:spLocks noGrp="1"/>
+          </p:cNvSpPr>
+          <p:nvPr>
+            <p:ph idx="1"/>
+          </p:nvPr>
+        </p:nvSpPr>
+        <p:spPr/>
+        <p:txBody>
+          <a:bodyPr/>
+          <a:lstStyle/>
+          <a:p>
+            <a:endParaRPr lang="en-US"/>
+          </a:p>
+        </p:txBody>
+      </p:sp>
+      <p:pic>
+        <p:nvPicPr>
+          <p:cNvPr id="4" name="Picture 3"/>
+          <p:cNvPicPr>
+            <a:picLocks noChangeAspect="1"/>
+          </p:cNvPicPr>
+          <p:nvPr/>
+        </p:nvPicPr>
+        <p:blipFill>
+          <a:blip r:embed="rId2"/>
+          <a:stretch>
+            <a:fillRect/>
+          </a:stretch>
+        </p:blipFill>
+        <p:spPr>
+          <a:xfrm>
+            <a:off x="0" y="1724870"/>
+            <a:ext cx="12192000" cy="4552847"/>
+          </a:xfrm>
+          <a:prstGeom prst="rect">
+            <a:avLst/>
+          </a:prstGeom>
+        </p:spPr>
+      </p:pic>
+    </p:spTree>
+    <p:extLst>
+      <p:ext uri="{BB962C8B-B14F-4D97-AF65-F5344CB8AC3E}">
+        <p14:creationId xmlns:p14="http://schemas.microsoft.com/office/powerpoint/2010/main" val="1413528586"/>
+      </p:ext>
+    </p:extLst>
+  </p:cSld>
+  <p:clrMapOvr>
+    <a:masterClrMapping/>
+  </p:clrMapOvr>
+  <p:timing>
+    <p:tnLst>
+      <p:par>
+        <p:cTn id="1" dur="indefinite" restart="never" nodeType="tmRoot"/>
+      </p:par>
+    </p:tnLst>
+  </p:timing>
+</p:sld>
+</file>
+
+<file path=ppt/slides/slide17.xml><?xml version="1.0" encoding="utf-8"?>
+<p:sld xmlns:a="http://schemas.openxmlformats.org/drawingml/2006/main" xmlns:r="http://schemas.openxmlformats.org/officeDocument/2006/relationships" xmlns:p="http://schemas.openxmlformats.org/presentationml/2006/main">
+  <p:cSld>
+    <p:spTree>
+      <p:nvGrpSpPr>
+        <p:cNvPr id="1" name=""/>
+        <p:cNvGrpSpPr/>
+        <p:nvPr/>
+      </p:nvGrpSpPr>
+      <p:grpSpPr>
+        <a:xfrm>
+          <a:off x="0" y="0"/>
+          <a:ext cx="0" cy="0"/>
+          <a:chOff x="0" y="0"/>
+          <a:chExt cx="0" cy="0"/>
+        </a:xfrm>
+      </p:grpSpPr>
+      <p:sp>
+        <p:nvSpPr>
+          <p:cNvPr id="2" name="Title 1"/>
+          <p:cNvSpPr>
+            <a:spLocks noGrp="1"/>
+          </p:cNvSpPr>
+          <p:nvPr>
+            <p:ph type="title"/>
+          </p:nvPr>
+        </p:nvSpPr>
+        <p:spPr/>
+        <p:txBody>
+          <a:bodyPr/>
+          <a:lstStyle/>
+          <a:p>
+            <a:r>
+              <a:rPr lang="zh-CN" altLang="en-US" dirty="0" smtClean="0"/>
+              <a:t>配置</a:t>
+            </a:r>
+            <a:r>
+              <a:rPr lang="en-US" altLang="zh-CN" dirty="0" err="1" smtClean="0"/>
+              <a:t>WebSocketConfig</a:t>
+            </a:r>
+            <a:endParaRPr lang="en-US" dirty="0"/>
+          </a:p>
+        </p:txBody>
+      </p:sp>
+      <p:sp>
+        <p:nvSpPr>
+          <p:cNvPr id="3" name="Content Placeholder 2"/>
+          <p:cNvSpPr>
+            <a:spLocks noGrp="1"/>
+          </p:cNvSpPr>
+          <p:nvPr>
+            <p:ph idx="1"/>
+          </p:nvPr>
+        </p:nvSpPr>
+        <p:spPr/>
+        <p:txBody>
+          <a:bodyPr/>
+          <a:lstStyle/>
+          <a:p>
+            <a:endParaRPr lang="en-US"/>
+          </a:p>
+        </p:txBody>
+      </p:sp>
+      <p:pic>
+        <p:nvPicPr>
+          <p:cNvPr id="4" name="Picture 3"/>
+          <p:cNvPicPr>
+            <a:picLocks noChangeAspect="1"/>
+          </p:cNvPicPr>
+          <p:nvPr/>
+        </p:nvPicPr>
+        <p:blipFill>
+          <a:blip r:embed="rId2"/>
+          <a:stretch>
+            <a:fillRect/>
+          </a:stretch>
+        </p:blipFill>
+        <p:spPr>
+          <a:xfrm>
+            <a:off x="590550" y="2265363"/>
+            <a:ext cx="11010900" cy="3911600"/>
+          </a:xfrm>
+          <a:prstGeom prst="rect">
+            <a:avLst/>
+          </a:prstGeom>
+        </p:spPr>
+      </p:pic>
+    </p:spTree>
+    <p:extLst>
+      <p:ext uri="{BB962C8B-B14F-4D97-AF65-F5344CB8AC3E}">
+        <p14:creationId xmlns:p14="http://schemas.microsoft.com/office/powerpoint/2010/main" val="1645723787"/>
+      </p:ext>
+    </p:extLst>
+  </p:cSld>
+  <p:clrMapOvr>
+    <a:masterClrMapping/>
+  </p:clrMapOvr>
+  <p:timing>
+    <p:tnLst>
+      <p:par>
+        <p:cTn id="1" dur="indefinite" restart="never" nodeType="tmRoot"/>
+      </p:par>
+    </p:tnLst>
+  </p:timing>
+</p:sld>
+</file>
+
+<file path=ppt/slides/slide18.xml><?xml version="1.0" encoding="utf-8"?>
+<p:sld xmlns:a="http://schemas.openxmlformats.org/drawingml/2006/main" xmlns:r="http://schemas.openxmlformats.org/officeDocument/2006/relationships" xmlns:p="http://schemas.openxmlformats.org/presentationml/2006/main">
+  <p:cSld>
+    <p:spTree>
+      <p:nvGrpSpPr>
+        <p:cNvPr id="1" name=""/>
+        <p:cNvGrpSpPr/>
+        <p:nvPr/>
+      </p:nvGrpSpPr>
+      <p:grpSpPr>
+        <a:xfrm>
+          <a:off x="0" y="0"/>
+          <a:ext cx="0" cy="0"/>
+          <a:chOff x="0" y="0"/>
+          <a:chExt cx="0" cy="0"/>
+        </a:xfrm>
+      </p:grpSpPr>
+      <p:sp>
+        <p:nvSpPr>
+          <p:cNvPr id="2" name="Title 1"/>
+          <p:cNvSpPr>
+            <a:spLocks noGrp="1"/>
+          </p:cNvSpPr>
+          <p:nvPr>
+            <p:ph type="title"/>
+          </p:nvPr>
+        </p:nvSpPr>
+        <p:spPr/>
+        <p:txBody>
+          <a:bodyPr/>
+          <a:lstStyle/>
+          <a:p>
+            <a:r>
+              <a:rPr lang="zh-CN" altLang="en-US" dirty="0" smtClean="0"/>
+              <a:t>配置</a:t>
+            </a:r>
+            <a:r>
+              <a:rPr lang="en-US" altLang="zh-CN" dirty="0" smtClean="0"/>
+              <a:t>Controller</a:t>
+            </a:r>
+            <a:r>
+              <a:rPr lang="zh-CN" altLang="en-US" dirty="0" smtClean="0"/>
+              <a:t>的映射</a:t>
+            </a:r>
+            <a:endParaRPr lang="en-US" dirty="0"/>
+          </a:p>
+        </p:txBody>
+      </p:sp>
+      <p:sp>
+        <p:nvSpPr>
+          <p:cNvPr id="3" name="Content Placeholder 2"/>
+          <p:cNvSpPr>
+            <a:spLocks noGrp="1"/>
+          </p:cNvSpPr>
+          <p:nvPr>
+            <p:ph idx="1"/>
+          </p:nvPr>
+        </p:nvSpPr>
+        <p:spPr/>
+        <p:txBody>
+          <a:bodyPr/>
+          <a:lstStyle/>
+          <a:p>
+            <a:endParaRPr lang="en-US" dirty="0"/>
+          </a:p>
+        </p:txBody>
+      </p:sp>
+      <p:pic>
+        <p:nvPicPr>
+          <p:cNvPr id="4" name="Picture 3"/>
+          <p:cNvPicPr>
+            <a:picLocks noChangeAspect="1"/>
+          </p:cNvPicPr>
+          <p:nvPr/>
+        </p:nvPicPr>
+        <p:blipFill>
+          <a:blip r:embed="rId2"/>
+          <a:stretch>
+            <a:fillRect/>
+          </a:stretch>
+        </p:blipFill>
+        <p:spPr>
+          <a:xfrm>
+            <a:off x="1400175" y="1825625"/>
+            <a:ext cx="8134350" cy="2532918"/>
+          </a:xfrm>
+          <a:prstGeom prst="rect">
+            <a:avLst/>
+          </a:prstGeom>
+        </p:spPr>
+      </p:pic>
+      <p:pic>
+        <p:nvPicPr>
+          <p:cNvPr id="5" name="Picture 4"/>
+          <p:cNvPicPr>
+            <a:picLocks noChangeAspect="1"/>
+          </p:cNvPicPr>
+          <p:nvPr/>
+        </p:nvPicPr>
+        <p:blipFill>
+          <a:blip r:embed="rId3"/>
+          <a:stretch>
+            <a:fillRect/>
+          </a:stretch>
+        </p:blipFill>
+        <p:spPr>
+          <a:xfrm>
+            <a:off x="3136900" y="4701382"/>
+            <a:ext cx="4660900" cy="2209800"/>
+          </a:xfrm>
+          <a:prstGeom prst="rect">
+            <a:avLst/>
+          </a:prstGeom>
+        </p:spPr>
+      </p:pic>
+      <p:sp>
+        <p:nvSpPr>
+          <p:cNvPr id="6" name="TextBox 5"/>
+          <p:cNvSpPr txBox="1"/>
+          <p:nvPr/>
+        </p:nvSpPr>
+        <p:spPr>
+          <a:xfrm>
+            <a:off x="1100138" y="5000625"/>
+            <a:ext cx="1157287" cy="369332"/>
+          </a:xfrm>
+          <a:prstGeom prst="rect">
+            <a:avLst/>
+          </a:prstGeom>
+          <a:noFill/>
+        </p:spPr>
+        <p:txBody>
+          <a:bodyPr wrap="square" rtlCol="0">
+            <a:spAutoFit/>
+          </a:bodyPr>
+          <a:lstStyle/>
+          <a:p>
+            <a:r>
+              <a:rPr lang="zh-CN" altLang="en-US" dirty="0" smtClean="0"/>
+              <a:t>等价于</a:t>
+            </a:r>
+            <a:endParaRPr lang="en-US" dirty="0"/>
+          </a:p>
+        </p:txBody>
+      </p:sp>
+    </p:spTree>
+    <p:extLst>
+      <p:ext uri="{BB962C8B-B14F-4D97-AF65-F5344CB8AC3E}">
+        <p14:creationId xmlns:p14="http://schemas.microsoft.com/office/powerpoint/2010/main" val="87648103"/>
+      </p:ext>
+    </p:extLst>
+  </p:cSld>
+  <p:clrMapOvr>
+    <a:masterClrMapping/>
+  </p:clrMapOvr>
+  <p:timing>
+    <p:tnLst>
+      <p:par>
+        <p:cTn id="1" dur="indefinite" restart="never" nodeType="tmRoot"/>
+      </p:par>
+    </p:tnLst>
+  </p:timing>
+</p:sld>
+</file>
+
+<file path=ppt/slides/slide19.xml><?xml version="1.0" encoding="utf-8"?>
+<p:sld xmlns:a="http://schemas.openxmlformats.org/drawingml/2006/main" xmlns:r="http://schemas.openxmlformats.org/officeDocument/2006/relationships" xmlns:p="http://schemas.openxmlformats.org/presentationml/2006/main">
+  <p:cSld>
+    <p:spTree>
+      <p:nvGrpSpPr>
+        <p:cNvPr id="1" name=""/>
+        <p:cNvGrpSpPr/>
+        <p:nvPr/>
+      </p:nvGrpSpPr>
+      <p:grpSpPr>
+        <a:xfrm>
+          <a:off x="0" y="0"/>
+          <a:ext cx="0" cy="0"/>
+          <a:chOff x="0" y="0"/>
+          <a:chExt cx="0" cy="0"/>
+        </a:xfrm>
+      </p:grpSpPr>
+      <p:sp>
+        <p:nvSpPr>
+          <p:cNvPr id="2" name="Title 1"/>
+          <p:cNvSpPr>
+            <a:spLocks noGrp="1"/>
+          </p:cNvSpPr>
+          <p:nvPr>
+            <p:ph type="title"/>
+          </p:nvPr>
+        </p:nvSpPr>
+        <p:spPr/>
+        <p:txBody>
+          <a:bodyPr/>
+          <a:lstStyle/>
+          <a:p>
+            <a:r>
+              <a:rPr lang="zh-CN" altLang="en-US" dirty="0" smtClean="0"/>
+              <a:t>配置</a:t>
+            </a:r>
+            <a:r>
+              <a:rPr lang="en-US" altLang="zh-CN" dirty="0" smtClean="0"/>
+              <a:t>HTML&amp;JS</a:t>
+            </a:r>
+            <a:endParaRPr lang="en-US" dirty="0"/>
+          </a:p>
+        </p:txBody>
+      </p:sp>
+      <p:sp>
+        <p:nvSpPr>
+          <p:cNvPr id="3" name="Content Placeholder 2"/>
+          <p:cNvSpPr>
+            <a:spLocks noGrp="1"/>
+          </p:cNvSpPr>
+          <p:nvPr>
+            <p:ph idx="1"/>
+          </p:nvPr>
+        </p:nvSpPr>
+        <p:spPr/>
+        <p:txBody>
+          <a:bodyPr/>
+          <a:lstStyle/>
+          <a:p>
+            <a:endParaRPr lang="en-US"/>
+          </a:p>
+        </p:txBody>
+      </p:sp>
+      <p:pic>
+        <p:nvPicPr>
+          <p:cNvPr id="4" name="Picture 3"/>
+          <p:cNvPicPr>
+            <a:picLocks noChangeAspect="1"/>
+          </p:cNvPicPr>
+          <p:nvPr/>
+        </p:nvPicPr>
+        <p:blipFill>
+          <a:blip r:embed="rId2"/>
+          <a:stretch>
+            <a:fillRect/>
+          </a:stretch>
+        </p:blipFill>
+        <p:spPr>
+          <a:xfrm>
+            <a:off x="1754459" y="0"/>
+            <a:ext cx="10437541" cy="6858000"/>
+          </a:xfrm>
+          <a:prstGeom prst="rect">
+            <a:avLst/>
+          </a:prstGeom>
+        </p:spPr>
+      </p:pic>
+    </p:spTree>
+    <p:extLst>
+      <p:ext uri="{BB962C8B-B14F-4D97-AF65-F5344CB8AC3E}">
+        <p14:creationId xmlns:p14="http://schemas.microsoft.com/office/powerpoint/2010/main" val="1044264690"/>
+      </p:ext>
+    </p:extLst>
+  </p:cSld>
+  <p:clrMapOvr>
+    <a:masterClrMapping/>
+  </p:clrMapOvr>
+  <p:timing>
+    <p:tnLst>
+      <p:par>
+        <p:cTn id="1" dur="indefinite" restart="never" nodeType="tmRoot">
+          <p:childTnLst>
+            <p:seq concurrent="1" nextAc="seek">
+              <p:cTn id="2" dur="indefinite" nodeType="mainSeq">
+                <p:childTnLst>
+                  <p:par>
+                    <p:cTn id="3" fill="hold">
+                      <p:stCondLst>
+                        <p:cond delay="indefinite"/>
+                      </p:stCondLst>
+                      <p:childTnLst>
+                        <p:par>
+                          <p:cTn id="4" fill="hold">
+                            <p:stCondLst>
+                              <p:cond delay="0"/>
+                            </p:stCondLst>
+                            <p:childTnLst>
+                              <p:par>
+                                <p:cTn id="5" presetID="1" presetClass="entr" presetSubtype="0" fill="hold" nodeType="clickEffect">
+                                  <p:stCondLst>
+                                    <p:cond delay="0"/>
+                                  </p:stCondLst>
+                                  <p:childTnLst>
+                                    <p:set>
+                                      <p:cBhvr>
+                                        <p:cTn id="6" dur="1" fill="hold">
+                                          <p:stCondLst>
+                                            <p:cond delay="0"/>
+                                          </p:stCondLst>
+                                        </p:cTn>
+                                        <p:tgtEl>
+                                          <p:spTgt spid="4"/>
+                                        </p:tgtEl>
+                                        <p:attrNameLst>
+                                          <p:attrName>style.visibility</p:attrName>
+                                        </p:attrNameLst>
+                                      </p:cBhvr>
+                                      <p:to>
+                                        <p:strVal val="visible"/>
+                                      </p:to>
+                                    </p:set>
+                                  </p:childTnLst>
+                                </p:cTn>
+                              </p:par>
+                            </p:childTnLst>
+                          </p:cTn>
+                        </p:par>
+                      </p:childTnLst>
+                    </p:cTn>
+                  </p:par>
+                </p:childTnLst>
+              </p:cTn>
+              <p:prevCondLst>
+                <p:cond evt="onPrev" delay="0">
+                  <p:tgtEl>
+                    <p:sldTgt/>
+                  </p:tgtEl>
+                </p:cond>
+              </p:prevCondLst>
+              <p:nextCondLst>
+                <p:cond evt="onNext" delay="0">
+                  <p:tgtEl>
+                    <p:sldTgt/>
+                  </p:tgtEl>
+                </p:cond>
+              </p:nextCondLst>
+            </p:seq>
+          </p:childTnLst>
+        </p:cTn>
+      </p:par>
+    </p:tnLst>
+  </p:timing>
+</p:sld>
+</file>
+
 <file path=ppt/slides/slide2.xml><?xml version="1.0" encoding="utf-8"?>
 <p:sld xmlns:a="http://schemas.openxmlformats.org/drawingml/2006/main" xmlns:r="http://schemas.openxmlformats.org/officeDocument/2006/relationships" xmlns:p="http://schemas.openxmlformats.org/presentationml/2006/main">
   <p:cSld>
@@ -3062,33 +4940,89 @@
           <a:lstStyle/>
           <a:p>
             <a:r>
+              <a:rPr lang="en-US" dirty="0"/>
+              <a:t>为什么需要 </a:t>
+            </a:r>
+            <a:r>
+              <a:rPr lang="en-US" dirty="0" err="1"/>
+              <a:t>WebSocket</a:t>
+            </a:r>
+            <a:endParaRPr lang="en-US" dirty="0"/>
+          </a:p>
+        </p:txBody>
+      </p:sp>
+      <p:sp>
+        <p:nvSpPr>
+          <p:cNvPr id="3" name="Content Placeholder 2"/>
+          <p:cNvSpPr>
+            <a:spLocks noGrp="1"/>
+          </p:cNvSpPr>
+          <p:nvPr>
+            <p:ph idx="1"/>
+          </p:nvPr>
+        </p:nvSpPr>
+        <p:spPr/>
+        <p:txBody>
+          <a:bodyPr/>
+          <a:lstStyle/>
+          <a:p>
+            <a:r>
+              <a:rPr lang="zh-CN" altLang="en-US" dirty="0"/>
+              <a:t>初次接触 </a:t>
+            </a:r>
+            <a:r>
+              <a:rPr lang="en-US" altLang="zh-CN" dirty="0" err="1"/>
+              <a:t>WebSocket</a:t>
+            </a:r>
+            <a:r>
+              <a:rPr lang="en-US" altLang="zh-CN" dirty="0"/>
+              <a:t> </a:t>
+            </a:r>
+            <a:r>
+              <a:rPr lang="zh-CN" altLang="en-US" dirty="0"/>
+              <a:t>的人，都会问同样的问题：我们已经有了 </a:t>
+            </a:r>
+            <a:r>
+              <a:rPr lang="en-US" altLang="zh-CN" dirty="0"/>
+              <a:t>HTTP </a:t>
+            </a:r>
+            <a:r>
+              <a:rPr lang="zh-CN" altLang="en-US" dirty="0"/>
+              <a:t>协议，为什么还需要另一个协议？它能带来什么好处？</a:t>
+            </a:r>
+          </a:p>
+          <a:p>
+            <a:r>
+              <a:rPr lang="zh-CN" altLang="en-US" dirty="0"/>
+              <a:t>答案很简单，因为 </a:t>
+            </a:r>
+            <a:r>
+              <a:rPr lang="en-US" altLang="zh-CN" dirty="0"/>
+              <a:t>HTTP </a:t>
+            </a:r>
+            <a:r>
+              <a:rPr lang="zh-CN" altLang="en-US" dirty="0"/>
+              <a:t>协议有一个缺陷：通信只能由客户端发起。</a:t>
+            </a:r>
+          </a:p>
+          <a:p>
+            <a:r>
+              <a:rPr lang="zh-CN" altLang="en-US" dirty="0"/>
+              <a:t>举例来说，我们想了解今天的天气，只能是客户端向服务器发出请求，服务器返回查询结果。</a:t>
+            </a:r>
+            <a:r>
+              <a:rPr lang="en-US" altLang="zh-CN" dirty="0"/>
+              <a:t>HTTP </a:t>
+            </a:r>
+            <a:r>
+              <a:rPr lang="zh-CN" altLang="en-US" dirty="0"/>
+              <a:t>协议做不到服务器主动向客户端推送信息</a:t>
+            </a:r>
+            <a:r>
               <a:rPr lang="zh-CN" altLang="en-US" dirty="0" smtClean="0"/>
-              <a:t>什么是</a:t>
-            </a:r>
-            <a:r>
-              <a:rPr lang="en-US" altLang="zh-CN" dirty="0" err="1" smtClean="0"/>
-              <a:t>Websocket</a:t>
-            </a:r>
-            <a:endParaRPr lang="en-US" dirty="0"/>
-          </a:p>
-        </p:txBody>
-      </p:sp>
-      <p:sp>
-        <p:nvSpPr>
-          <p:cNvPr id="3" name="Content Placeholder 2"/>
-          <p:cNvSpPr>
-            <a:spLocks noGrp="1"/>
-          </p:cNvSpPr>
-          <p:nvPr>
-            <p:ph idx="1"/>
-          </p:nvPr>
-        </p:nvSpPr>
-        <p:spPr/>
-        <p:txBody>
-          <a:bodyPr/>
-          <a:lstStyle/>
-          <a:p>
-            <a:endParaRPr lang="en-US"/>
+              <a:t>。</a:t>
+            </a:r>
+            <a:endParaRPr lang="zh-CN" altLang="en-US" dirty="0"/>
           </a:p>
         </p:txBody>
       </p:sp>
@@ -3102,6 +5036,295 @@
   <p:clrMapOvr>
     <a:masterClrMapping/>
   </p:clrMapOvr>
+</p:sld>
+</file>
+
+<file path=ppt/slides/slide20.xml><?xml version="1.0" encoding="utf-8"?>
+<p:sld xmlns:a="http://schemas.openxmlformats.org/drawingml/2006/main" xmlns:r="http://schemas.openxmlformats.org/officeDocument/2006/relationships" xmlns:p="http://schemas.openxmlformats.org/presentationml/2006/main">
+  <p:cSld>
+    <p:spTree>
+      <p:nvGrpSpPr>
+        <p:cNvPr id="1" name=""/>
+        <p:cNvGrpSpPr/>
+        <p:nvPr/>
+      </p:nvGrpSpPr>
+      <p:grpSpPr>
+        <a:xfrm>
+          <a:off x="0" y="0"/>
+          <a:ext cx="0" cy="0"/>
+          <a:chOff x="0" y="0"/>
+          <a:chExt cx="0" cy="0"/>
+        </a:xfrm>
+      </p:grpSpPr>
+      <p:sp>
+        <p:nvSpPr>
+          <p:cNvPr id="2" name="Title 1"/>
+          <p:cNvSpPr>
+            <a:spLocks noGrp="1"/>
+          </p:cNvSpPr>
+          <p:nvPr>
+            <p:ph type="title"/>
+          </p:nvPr>
+        </p:nvSpPr>
+        <p:spPr/>
+        <p:txBody>
+          <a:bodyPr/>
+          <a:lstStyle/>
+          <a:p>
+            <a:r>
+              <a:rPr lang="zh-CN" altLang="en-US" dirty="0" smtClean="0"/>
+              <a:t>配置</a:t>
+            </a:r>
+            <a:r>
+              <a:rPr lang="en-US" altLang="zh-CN" dirty="0" smtClean="0"/>
+              <a:t>HTML&amp;JS</a:t>
+            </a:r>
+            <a:endParaRPr lang="en-US" dirty="0"/>
+          </a:p>
+        </p:txBody>
+      </p:sp>
+      <p:sp>
+        <p:nvSpPr>
+          <p:cNvPr id="3" name="Content Placeholder 2"/>
+          <p:cNvSpPr>
+            <a:spLocks noGrp="1"/>
+          </p:cNvSpPr>
+          <p:nvPr>
+            <p:ph idx="1"/>
+          </p:nvPr>
+        </p:nvSpPr>
+        <p:spPr/>
+        <p:txBody>
+          <a:bodyPr/>
+          <a:lstStyle/>
+          <a:p>
+            <a:endParaRPr lang="en-US"/>
+          </a:p>
+        </p:txBody>
+      </p:sp>
+      <p:pic>
+        <p:nvPicPr>
+          <p:cNvPr id="5" name="Picture 4"/>
+          <p:cNvPicPr>
+            <a:picLocks noChangeAspect="1"/>
+          </p:cNvPicPr>
+          <p:nvPr/>
+        </p:nvPicPr>
+        <p:blipFill>
+          <a:blip r:embed="rId2"/>
+          <a:stretch>
+            <a:fillRect/>
+          </a:stretch>
+        </p:blipFill>
+        <p:spPr>
+          <a:xfrm>
+            <a:off x="1041400" y="1690688"/>
+            <a:ext cx="10312400" cy="4889500"/>
+          </a:xfrm>
+          <a:prstGeom prst="rect">
+            <a:avLst/>
+          </a:prstGeom>
+        </p:spPr>
+      </p:pic>
+    </p:spTree>
+    <p:extLst>
+      <p:ext uri="{BB962C8B-B14F-4D97-AF65-F5344CB8AC3E}">
+        <p14:creationId xmlns:p14="http://schemas.microsoft.com/office/powerpoint/2010/main" val="955615258"/>
+      </p:ext>
+    </p:extLst>
+  </p:cSld>
+  <p:clrMapOvr>
+    <a:masterClrMapping/>
+  </p:clrMapOvr>
+  <p:timing>
+    <p:tnLst>
+      <p:par>
+        <p:cTn id="1" dur="indefinite" restart="never" nodeType="tmRoot"/>
+      </p:par>
+    </p:tnLst>
+  </p:timing>
+</p:sld>
+</file>
+
+<file path=ppt/slides/slide21.xml><?xml version="1.0" encoding="utf-8"?>
+<p:sld xmlns:a="http://schemas.openxmlformats.org/drawingml/2006/main" xmlns:r="http://schemas.openxmlformats.org/officeDocument/2006/relationships" xmlns:p="http://schemas.openxmlformats.org/presentationml/2006/main">
+  <p:cSld>
+    <p:spTree>
+      <p:nvGrpSpPr>
+        <p:cNvPr id="1" name=""/>
+        <p:cNvGrpSpPr/>
+        <p:nvPr/>
+      </p:nvGrpSpPr>
+      <p:grpSpPr>
+        <a:xfrm>
+          <a:off x="0" y="0"/>
+          <a:ext cx="0" cy="0"/>
+          <a:chOff x="0" y="0"/>
+          <a:chExt cx="0" cy="0"/>
+        </a:xfrm>
+      </p:grpSpPr>
+      <p:sp>
+        <p:nvSpPr>
+          <p:cNvPr id="2" name="Title 1"/>
+          <p:cNvSpPr>
+            <a:spLocks noGrp="1"/>
+          </p:cNvSpPr>
+          <p:nvPr>
+            <p:ph type="title"/>
+          </p:nvPr>
+        </p:nvSpPr>
+        <p:spPr/>
+        <p:txBody>
+          <a:bodyPr/>
+          <a:lstStyle/>
+          <a:p>
+            <a:r>
+              <a:rPr lang="zh-CN" altLang="en-US" dirty="0" smtClean="0"/>
+              <a:t>配置</a:t>
+            </a:r>
+            <a:r>
+              <a:rPr lang="en-US" altLang="zh-CN" dirty="0" smtClean="0"/>
+              <a:t>HTML&amp;JS</a:t>
+            </a:r>
+            <a:endParaRPr lang="en-US" dirty="0"/>
+          </a:p>
+        </p:txBody>
+      </p:sp>
+      <p:sp>
+        <p:nvSpPr>
+          <p:cNvPr id="3" name="Content Placeholder 2"/>
+          <p:cNvSpPr>
+            <a:spLocks noGrp="1"/>
+          </p:cNvSpPr>
+          <p:nvPr>
+            <p:ph idx="1"/>
+          </p:nvPr>
+        </p:nvSpPr>
+        <p:spPr/>
+        <p:txBody>
+          <a:bodyPr/>
+          <a:lstStyle/>
+          <a:p>
+            <a:endParaRPr lang="en-US"/>
+          </a:p>
+        </p:txBody>
+      </p:sp>
+      <p:pic>
+        <p:nvPicPr>
+          <p:cNvPr id="4" name="Picture 3"/>
+          <p:cNvPicPr>
+            <a:picLocks noChangeAspect="1"/>
+          </p:cNvPicPr>
+          <p:nvPr/>
+        </p:nvPicPr>
+        <p:blipFill>
+          <a:blip r:embed="rId2"/>
+          <a:stretch>
+            <a:fillRect/>
+          </a:stretch>
+        </p:blipFill>
+        <p:spPr>
+          <a:xfrm>
+            <a:off x="4197949" y="0"/>
+            <a:ext cx="7994052" cy="6300788"/>
+          </a:xfrm>
+          <a:prstGeom prst="rect">
+            <a:avLst/>
+          </a:prstGeom>
+        </p:spPr>
+      </p:pic>
+    </p:spTree>
+    <p:extLst>
+      <p:ext uri="{BB962C8B-B14F-4D97-AF65-F5344CB8AC3E}">
+        <p14:creationId xmlns:p14="http://schemas.microsoft.com/office/powerpoint/2010/main" val="1687515892"/>
+      </p:ext>
+    </p:extLst>
+  </p:cSld>
+  <p:clrMapOvr>
+    <a:masterClrMapping/>
+  </p:clrMapOvr>
+  <p:timing>
+    <p:tnLst>
+      <p:par>
+        <p:cTn id="1" dur="indefinite" restart="never" nodeType="tmRoot"/>
+      </p:par>
+    </p:tnLst>
+  </p:timing>
+</p:sld>
+</file>
+
+<file path=ppt/slides/slide22.xml><?xml version="1.0" encoding="utf-8"?>
+<p:sld xmlns:a="http://schemas.openxmlformats.org/drawingml/2006/main" xmlns:r="http://schemas.openxmlformats.org/officeDocument/2006/relationships" xmlns:p="http://schemas.openxmlformats.org/presentationml/2006/main">
+  <p:cSld>
+    <p:spTree>
+      <p:nvGrpSpPr>
+        <p:cNvPr id="1" name=""/>
+        <p:cNvGrpSpPr/>
+        <p:nvPr/>
+      </p:nvGrpSpPr>
+      <p:grpSpPr>
+        <a:xfrm>
+          <a:off x="0" y="0"/>
+          <a:ext cx="0" cy="0"/>
+          <a:chOff x="0" y="0"/>
+          <a:chExt cx="0" cy="0"/>
+        </a:xfrm>
+      </p:grpSpPr>
+      <p:sp>
+        <p:nvSpPr>
+          <p:cNvPr id="2" name="Title 1"/>
+          <p:cNvSpPr>
+            <a:spLocks noGrp="1"/>
+          </p:cNvSpPr>
+          <p:nvPr>
+            <p:ph type="title"/>
+          </p:nvPr>
+        </p:nvSpPr>
+        <p:spPr/>
+        <p:txBody>
+          <a:bodyPr/>
+          <a:lstStyle/>
+          <a:p>
+            <a:endParaRPr lang="en-US"/>
+          </a:p>
+        </p:txBody>
+      </p:sp>
+      <p:sp>
+        <p:nvSpPr>
+          <p:cNvPr id="3" name="Content Placeholder 2"/>
+          <p:cNvSpPr>
+            <a:spLocks noGrp="1"/>
+          </p:cNvSpPr>
+          <p:nvPr>
+            <p:ph idx="1"/>
+          </p:nvPr>
+        </p:nvSpPr>
+        <p:spPr/>
+        <p:txBody>
+          <a:bodyPr/>
+          <a:lstStyle/>
+          <a:p>
+            <a:endParaRPr lang="en-US"/>
+          </a:p>
+        </p:txBody>
+      </p:sp>
+    </p:spTree>
+    <p:extLst>
+      <p:ext uri="{BB962C8B-B14F-4D97-AF65-F5344CB8AC3E}">
+        <p14:creationId xmlns:p14="http://schemas.microsoft.com/office/powerpoint/2010/main" val="508258839"/>
+      </p:ext>
+    </p:extLst>
+  </p:cSld>
+  <p:clrMapOvr>
+    <a:masterClrMapping/>
+  </p:clrMapOvr>
+  <p:timing>
+    <p:tnLst>
+      <p:par>
+        <p:cTn id="1" dur="indefinite" restart="never" nodeType="tmRoot"/>
+      </p:par>
+    </p:tnLst>
+  </p:timing>
 </p:sld>
 </file>
 
@@ -3153,6 +5376,509 @@
         </p:nvSpPr>
         <p:spPr/>
         <p:txBody>
+          <a:bodyPr/>
+          <a:lstStyle/>
+          <a:p>
+            <a:endParaRPr lang="en-US" dirty="0"/>
+          </a:p>
+        </p:txBody>
+      </p:sp>
+      <p:pic>
+        <p:nvPicPr>
+          <p:cNvPr id="4100" name="Picture 4" descr="https://upload-images.jianshu.io/upload_images/3101171-4a1ef6256a987d05.png?imageMogr2/auto-orient/"/>
+          <p:cNvPicPr>
+            <a:picLocks noChangeAspect="1" noChangeArrowheads="1"/>
+          </p:cNvPicPr>
+          <p:nvPr/>
+        </p:nvPicPr>
+        <p:blipFill>
+          <a:blip r:embed="rId2">
+            <a:extLst>
+              <a:ext uri="{28A0092B-C50C-407E-A947-70E740481C1C}">
+                <a14:useLocalDpi xmlns:a14="http://schemas.microsoft.com/office/drawing/2010/main" val="0"/>
+              </a:ext>
+            </a:extLst>
+          </a:blip>
+          <a:srcRect/>
+          <a:stretch>
+            <a:fillRect/>
+          </a:stretch>
+        </p:blipFill>
+        <p:spPr bwMode="auto">
+          <a:xfrm>
+            <a:off x="0" y="0"/>
+            <a:ext cx="11649075" cy="7115175"/>
+          </a:xfrm>
+          <a:prstGeom prst="rect">
+            <a:avLst/>
+          </a:prstGeom>
+          <a:noFill/>
+          <a:extLst>
+            <a:ext uri="{909E8E84-426E-40DD-AFC4-6F175D3DCCD1}">
+              <a14:hiddenFill xmlns:a14="http://schemas.microsoft.com/office/drawing/2010/main">
+                <a:solidFill>
+                  <a:srgbClr val="FFFFFF"/>
+                </a:solidFill>
+              </a14:hiddenFill>
+            </a:ext>
+          </a:extLst>
+        </p:spPr>
+      </p:pic>
+    </p:spTree>
+    <p:extLst>
+      <p:ext uri="{BB962C8B-B14F-4D97-AF65-F5344CB8AC3E}">
+        <p14:creationId xmlns:p14="http://schemas.microsoft.com/office/powerpoint/2010/main" val="2066583442"/>
+      </p:ext>
+    </p:extLst>
+  </p:cSld>
+  <p:clrMapOvr>
+    <a:masterClrMapping/>
+  </p:clrMapOvr>
+</p:sld>
+</file>
+
+<file path=ppt/slides/slide4.xml><?xml version="1.0" encoding="utf-8"?>
+<p:sld xmlns:a="http://schemas.openxmlformats.org/drawingml/2006/main" xmlns:r="http://schemas.openxmlformats.org/officeDocument/2006/relationships" xmlns:p="http://schemas.openxmlformats.org/presentationml/2006/main">
+  <p:cSld>
+    <p:spTree>
+      <p:nvGrpSpPr>
+        <p:cNvPr id="1" name=""/>
+        <p:cNvGrpSpPr/>
+        <p:nvPr/>
+      </p:nvGrpSpPr>
+      <p:grpSpPr>
+        <a:xfrm>
+          <a:off x="0" y="0"/>
+          <a:ext cx="0" cy="0"/>
+          <a:chOff x="0" y="0"/>
+          <a:chExt cx="0" cy="0"/>
+        </a:xfrm>
+      </p:grpSpPr>
+      <p:sp>
+        <p:nvSpPr>
+          <p:cNvPr id="2" name="Title 1"/>
+          <p:cNvSpPr>
+            <a:spLocks noGrp="1"/>
+          </p:cNvSpPr>
+          <p:nvPr>
+            <p:ph type="title"/>
+          </p:nvPr>
+        </p:nvSpPr>
+        <p:spPr/>
+        <p:txBody>
+          <a:bodyPr/>
+          <a:lstStyle/>
+          <a:p>
+            <a:endParaRPr lang="en-US" dirty="0"/>
+          </a:p>
+        </p:txBody>
+      </p:sp>
+      <p:pic>
+        <p:nvPicPr>
+          <p:cNvPr id="1026" name="Picture 2" descr="http://www.ruanyifeng.com/blogimg/asset/2017/bg2017051507.jpg"/>
+          <p:cNvPicPr>
+            <a:picLocks noGrp="1" noChangeAspect="1" noChangeArrowheads="1"/>
+          </p:cNvPicPr>
+          <p:nvPr>
+            <p:ph idx="1"/>
+          </p:nvPr>
+        </p:nvPicPr>
+        <p:blipFill>
+          <a:blip r:embed="rId2">
+            <a:extLst>
+              <a:ext uri="{28A0092B-C50C-407E-A947-70E740481C1C}">
+                <a14:useLocalDpi xmlns:a14="http://schemas.microsoft.com/office/drawing/2010/main" val="0"/>
+              </a:ext>
+            </a:extLst>
+          </a:blip>
+          <a:srcRect/>
+          <a:stretch>
+            <a:fillRect/>
+          </a:stretch>
+        </p:blipFill>
+        <p:spPr bwMode="auto">
+          <a:xfrm>
+            <a:off x="838200" y="1690688"/>
+            <a:ext cx="5795727" cy="4351338"/>
+          </a:xfrm>
+          <a:prstGeom prst="rect">
+            <a:avLst/>
+          </a:prstGeom>
+          <a:noFill/>
+          <a:extLst>
+            <a:ext uri="{909E8E84-426E-40DD-AFC4-6F175D3DCCD1}">
+              <a14:hiddenFill xmlns:a14="http://schemas.microsoft.com/office/drawing/2010/main">
+                <a:solidFill>
+                  <a:srgbClr val="FFFFFF"/>
+                </a:solidFill>
+              </a14:hiddenFill>
+            </a:ext>
+          </a:extLst>
+        </p:spPr>
+      </p:pic>
+      <p:sp>
+        <p:nvSpPr>
+          <p:cNvPr id="4" name="TextBox 3"/>
+          <p:cNvSpPr txBox="1"/>
+          <p:nvPr/>
+        </p:nvSpPr>
+        <p:spPr>
+          <a:xfrm>
+            <a:off x="7418070" y="1828800"/>
+            <a:ext cx="4080510" cy="3754874"/>
+          </a:xfrm>
+          <a:prstGeom prst="rect">
+            <a:avLst/>
+          </a:prstGeom>
+          <a:noFill/>
+        </p:spPr>
+        <p:txBody>
+          <a:bodyPr wrap="square" rtlCol="0">
+            <a:spAutoFit/>
+          </a:bodyPr>
+          <a:lstStyle/>
+          <a:p>
+            <a:r>
+              <a:rPr lang="zh-CN" altLang="en-US" sz="2000" dirty="0"/>
+              <a:t>这种单向请求的特点，注定了如果服务器有连续的状态变化，客户端要获知就非常麻烦。我们只能使用</a:t>
+            </a:r>
+            <a:r>
+              <a:rPr lang="en-US" altLang="zh-CN" sz="2000" u="sng" dirty="0">
+                <a:hlinkClick r:id="rId3"/>
+              </a:rPr>
+              <a:t>"</a:t>
+            </a:r>
+            <a:r>
+              <a:rPr lang="zh-CN" altLang="en-US" sz="2000" u="sng" dirty="0">
+                <a:hlinkClick r:id="rId3"/>
+              </a:rPr>
+              <a:t>轮询</a:t>
+            </a:r>
+            <a:r>
+              <a:rPr lang="en-US" altLang="zh-CN" sz="2000" u="sng" dirty="0">
+                <a:hlinkClick r:id="rId3"/>
+              </a:rPr>
+              <a:t>"</a:t>
+            </a:r>
+            <a:r>
+              <a:rPr lang="zh-CN" altLang="en-US" sz="2000" dirty="0"/>
+              <a:t>：每隔一段时候，就发出一个询问，了解服务器有没有新的信息。最典型的场景就是聊天室。</a:t>
+            </a:r>
+          </a:p>
+          <a:p>
+            <a:r>
+              <a:rPr lang="zh-CN" altLang="en-US" sz="2000" dirty="0"/>
+              <a:t>轮询的效率低，非常浪费资源（因为必须不停连接，或者 </a:t>
+            </a:r>
+            <a:r>
+              <a:rPr lang="en-US" altLang="zh-CN" sz="2000" dirty="0"/>
+              <a:t>HTTP </a:t>
+            </a:r>
+            <a:r>
+              <a:rPr lang="zh-CN" altLang="en-US" sz="2000" dirty="0"/>
+              <a:t>连接始终打开）。因此，工程师们一直在思考，有没有更好的方法。</a:t>
+            </a:r>
+            <a:r>
+              <a:rPr lang="en-US" altLang="zh-CN" sz="2000" dirty="0" err="1"/>
+              <a:t>WebSocket</a:t>
+            </a:r>
+            <a:r>
+              <a:rPr lang="en-US" altLang="zh-CN" sz="2000" dirty="0"/>
+              <a:t> </a:t>
+            </a:r>
+            <a:r>
+              <a:rPr lang="zh-CN" altLang="en-US" sz="2000" dirty="0"/>
+              <a:t>就是这样发明的。</a:t>
+            </a:r>
+          </a:p>
+          <a:p>
+            <a:endParaRPr lang="en-US" sz="2000" dirty="0"/>
+          </a:p>
+        </p:txBody>
+      </p:sp>
+    </p:spTree>
+    <p:extLst>
+      <p:ext uri="{BB962C8B-B14F-4D97-AF65-F5344CB8AC3E}">
+        <p14:creationId xmlns:p14="http://schemas.microsoft.com/office/powerpoint/2010/main" val="1486015953"/>
+      </p:ext>
+    </p:extLst>
+  </p:cSld>
+  <p:clrMapOvr>
+    <a:masterClrMapping/>
+  </p:clrMapOvr>
+</p:sld>
+</file>
+
+<file path=ppt/slides/slide5.xml><?xml version="1.0" encoding="utf-8"?>
+<p:sld xmlns:a="http://schemas.openxmlformats.org/drawingml/2006/main" xmlns:r="http://schemas.openxmlformats.org/officeDocument/2006/relationships" xmlns:p="http://schemas.openxmlformats.org/presentationml/2006/main">
+  <p:cSld>
+    <p:spTree>
+      <p:nvGrpSpPr>
+        <p:cNvPr id="1" name=""/>
+        <p:cNvGrpSpPr/>
+        <p:nvPr/>
+      </p:nvGrpSpPr>
+      <p:grpSpPr>
+        <a:xfrm>
+          <a:off x="0" y="0"/>
+          <a:ext cx="0" cy="0"/>
+          <a:chOff x="0" y="0"/>
+          <a:chExt cx="0" cy="0"/>
+        </a:xfrm>
+      </p:grpSpPr>
+      <p:sp>
+        <p:nvSpPr>
+          <p:cNvPr id="2" name="Title 1"/>
+          <p:cNvSpPr>
+            <a:spLocks noGrp="1"/>
+          </p:cNvSpPr>
+          <p:nvPr>
+            <p:ph type="title"/>
+          </p:nvPr>
+        </p:nvSpPr>
+        <p:spPr/>
+        <p:txBody>
+          <a:bodyPr/>
+          <a:lstStyle/>
+          <a:p>
+            <a:r>
+              <a:rPr lang="zh-CN" altLang="en-US" dirty="0" smtClean="0"/>
+              <a:t>简介</a:t>
+            </a:r>
+            <a:endParaRPr lang="en-US" dirty="0"/>
+          </a:p>
+        </p:txBody>
+      </p:sp>
+      <p:sp>
+        <p:nvSpPr>
+          <p:cNvPr id="3" name="Content Placeholder 2"/>
+          <p:cNvSpPr>
+            <a:spLocks noGrp="1"/>
+          </p:cNvSpPr>
+          <p:nvPr>
+            <p:ph idx="1"/>
+          </p:nvPr>
+        </p:nvSpPr>
+        <p:spPr/>
+        <p:txBody>
+          <a:bodyPr/>
+          <a:lstStyle/>
+          <a:p>
+            <a:r>
+              <a:rPr lang="en-US" altLang="zh-CN" dirty="0" err="1"/>
+              <a:t>WebSocket</a:t>
+            </a:r>
+            <a:r>
+              <a:rPr lang="en-US" altLang="zh-CN" dirty="0"/>
+              <a:t> </a:t>
+            </a:r>
+            <a:r>
+              <a:rPr lang="zh-CN" altLang="en-US" dirty="0"/>
+              <a:t>协议在</a:t>
+            </a:r>
+            <a:r>
+              <a:rPr lang="en-US" altLang="zh-CN" dirty="0"/>
+              <a:t>2008</a:t>
+            </a:r>
+            <a:r>
+              <a:rPr lang="zh-CN" altLang="en-US" dirty="0"/>
+              <a:t>年诞生，</a:t>
+            </a:r>
+            <a:r>
+              <a:rPr lang="en-US" altLang="zh-CN" dirty="0"/>
+              <a:t>2011</a:t>
+            </a:r>
+            <a:r>
+              <a:rPr lang="zh-CN" altLang="en-US" dirty="0"/>
+              <a:t>年成为国际标准。所有浏览器都已经支持了。</a:t>
+            </a:r>
+            <a:endParaRPr lang="zh-CN" altLang="en-US" dirty="0"/>
+          </a:p>
+          <a:p>
+            <a:r>
+              <a:rPr lang="zh-CN" altLang="en-US" dirty="0"/>
+              <a:t>它的最大特点就是，服务器可以主动向客户端推送信息，客户端也可以主动向服务器发送信息，是真正的双向平等对话，属于服务器推送技术的一种。</a:t>
+            </a:r>
+          </a:p>
+          <a:p>
+            <a:endParaRPr lang="en-US" dirty="0"/>
+          </a:p>
+        </p:txBody>
+      </p:sp>
+    </p:spTree>
+    <p:extLst>
+      <p:ext uri="{BB962C8B-B14F-4D97-AF65-F5344CB8AC3E}">
+        <p14:creationId xmlns:p14="http://schemas.microsoft.com/office/powerpoint/2010/main" val="305724540"/>
+      </p:ext>
+    </p:extLst>
+  </p:cSld>
+  <p:clrMapOvr>
+    <a:masterClrMapping/>
+  </p:clrMapOvr>
+</p:sld>
+</file>
+
+<file path=ppt/slides/slide6.xml><?xml version="1.0" encoding="utf-8"?>
+<p:sld xmlns:a="http://schemas.openxmlformats.org/drawingml/2006/main" xmlns:r="http://schemas.openxmlformats.org/officeDocument/2006/relationships" xmlns:p="http://schemas.openxmlformats.org/presentationml/2006/main">
+  <p:cSld>
+    <p:spTree>
+      <p:nvGrpSpPr>
+        <p:cNvPr id="1" name=""/>
+        <p:cNvGrpSpPr/>
+        <p:nvPr/>
+      </p:nvGrpSpPr>
+      <p:grpSpPr>
+        <a:xfrm>
+          <a:off x="0" y="0"/>
+          <a:ext cx="0" cy="0"/>
+          <a:chOff x="0" y="0"/>
+          <a:chExt cx="0" cy="0"/>
+        </a:xfrm>
+      </p:grpSpPr>
+      <p:sp>
+        <p:nvSpPr>
+          <p:cNvPr id="2" name="Title 1"/>
+          <p:cNvSpPr>
+            <a:spLocks noGrp="1"/>
+          </p:cNvSpPr>
+          <p:nvPr>
+            <p:ph type="title"/>
+          </p:nvPr>
+        </p:nvSpPr>
+        <p:spPr/>
+        <p:txBody>
+          <a:bodyPr/>
+          <a:lstStyle/>
+          <a:p>
+            <a:endParaRPr lang="en-US" dirty="0"/>
+          </a:p>
+        </p:txBody>
+      </p:sp>
+      <p:sp>
+        <p:nvSpPr>
+          <p:cNvPr id="3" name="Content Placeholder 2"/>
+          <p:cNvSpPr>
+            <a:spLocks noGrp="1"/>
+          </p:cNvSpPr>
+          <p:nvPr>
+            <p:ph idx="1"/>
+          </p:nvPr>
+        </p:nvSpPr>
+        <p:spPr/>
+        <p:txBody>
+          <a:bodyPr/>
+          <a:lstStyle/>
+          <a:p>
+            <a:endParaRPr lang="en-US" dirty="0"/>
+          </a:p>
+        </p:txBody>
+      </p:sp>
+      <p:pic>
+        <p:nvPicPr>
+          <p:cNvPr id="2050" name="Picture 2" descr="http://www.ruanyifeng.com/blogimg/asset/2017/bg2017051502.png"/>
+          <p:cNvPicPr>
+            <a:picLocks noChangeAspect="1" noChangeArrowheads="1"/>
+          </p:cNvPicPr>
+          <p:nvPr/>
+        </p:nvPicPr>
+        <p:blipFill>
+          <a:blip r:embed="rId2">
+            <a:extLst>
+              <a:ext uri="{28A0092B-C50C-407E-A947-70E740481C1C}">
+                <a14:useLocalDpi xmlns:a14="http://schemas.microsoft.com/office/drawing/2010/main" val="0"/>
+              </a:ext>
+            </a:extLst>
+          </a:blip>
+          <a:srcRect/>
+          <a:stretch>
+            <a:fillRect/>
+          </a:stretch>
+        </p:blipFill>
+        <p:spPr bwMode="auto">
+          <a:xfrm>
+            <a:off x="4551744" y="250825"/>
+            <a:ext cx="7487855" cy="6092825"/>
+          </a:xfrm>
+          <a:prstGeom prst="rect">
+            <a:avLst/>
+          </a:prstGeom>
+          <a:noFill/>
+          <a:extLst>
+            <a:ext uri="{909E8E84-426E-40DD-AFC4-6F175D3DCCD1}">
+              <a14:hiddenFill xmlns:a14="http://schemas.microsoft.com/office/drawing/2010/main">
+                <a:solidFill>
+                  <a:srgbClr val="FFFFFF"/>
+                </a:solidFill>
+              </a14:hiddenFill>
+            </a:ext>
+          </a:extLst>
+        </p:spPr>
+      </p:pic>
+    </p:spTree>
+    <p:extLst>
+      <p:ext uri="{BB962C8B-B14F-4D97-AF65-F5344CB8AC3E}">
+        <p14:creationId xmlns:p14="http://schemas.microsoft.com/office/powerpoint/2010/main" val="1401828775"/>
+      </p:ext>
+    </p:extLst>
+  </p:cSld>
+  <p:clrMapOvr>
+    <a:masterClrMapping/>
+  </p:clrMapOvr>
+</p:sld>
+</file>
+
+<file path=ppt/slides/slide7.xml><?xml version="1.0" encoding="utf-8"?>
+<p:sld xmlns:a="http://schemas.openxmlformats.org/drawingml/2006/main" xmlns:r="http://schemas.openxmlformats.org/officeDocument/2006/relationships" xmlns:p="http://schemas.openxmlformats.org/presentationml/2006/main">
+  <p:cSld>
+    <p:spTree>
+      <p:nvGrpSpPr>
+        <p:cNvPr id="1" name=""/>
+        <p:cNvGrpSpPr/>
+        <p:nvPr/>
+      </p:nvGrpSpPr>
+      <p:grpSpPr>
+        <a:xfrm>
+          <a:off x="0" y="0"/>
+          <a:ext cx="0" cy="0"/>
+          <a:chOff x="0" y="0"/>
+          <a:chExt cx="0" cy="0"/>
+        </a:xfrm>
+      </p:grpSpPr>
+      <p:sp>
+        <p:nvSpPr>
+          <p:cNvPr id="2" name="Title 1"/>
+          <p:cNvSpPr>
+            <a:spLocks noGrp="1"/>
+          </p:cNvSpPr>
+          <p:nvPr>
+            <p:ph type="title"/>
+          </p:nvPr>
+        </p:nvSpPr>
+        <p:spPr/>
+        <p:txBody>
+          <a:bodyPr/>
+          <a:lstStyle/>
+          <a:p>
+            <a:r>
+              <a:rPr lang="zh-CN" altLang="en-US" dirty="0"/>
+              <a:t>其他特点包括</a:t>
+            </a:r>
+            <a:endParaRPr lang="en-US" dirty="0"/>
+          </a:p>
+        </p:txBody>
+      </p:sp>
+      <p:sp>
+        <p:nvSpPr>
+          <p:cNvPr id="3" name="Content Placeholder 2"/>
+          <p:cNvSpPr>
+            <a:spLocks noGrp="1"/>
+          </p:cNvSpPr>
+          <p:nvPr>
+            <p:ph idx="1"/>
+          </p:nvPr>
+        </p:nvSpPr>
+        <p:spPr/>
+        <p:txBody>
           <a:bodyPr>
             <a:normAutofit/>
           </a:bodyPr>
@@ -3160,107 +5886,199 @@
           <a:p>
             <a:r>
               <a:rPr lang="zh-CN" altLang="en-US" dirty="0" smtClean="0"/>
-              <a:t>首先推荐大家看官网</a:t>
-            </a:r>
-            <a:r>
-              <a:rPr lang="en-US" altLang="zh-CN" dirty="0" smtClean="0">
-                <a:hlinkClick r:id="rId2"/>
+              <a:t>（</a:t>
+            </a:r>
+            <a:r>
+              <a:rPr lang="en-US" altLang="zh-CN" dirty="0"/>
+              <a:t>1</a:t>
+            </a:r>
+            <a:r>
+              <a:rPr lang="zh-CN" altLang="en-US" dirty="0"/>
+              <a:t>）建立在 </a:t>
+            </a:r>
+            <a:r>
+              <a:rPr lang="en-US" altLang="zh-CN" dirty="0"/>
+              <a:t>TCP </a:t>
+            </a:r>
+            <a:r>
+              <a:rPr lang="zh-CN" altLang="en-US" dirty="0"/>
+              <a:t>协议之上，服务器端的实现比较容易。</a:t>
+            </a:r>
+          </a:p>
+          <a:p>
+            <a:r>
+              <a:rPr lang="zh-CN" altLang="en-US" dirty="0"/>
+              <a:t>（</a:t>
+            </a:r>
+            <a:r>
+              <a:rPr lang="en-US" altLang="zh-CN" dirty="0"/>
+              <a:t>2</a:t>
+            </a:r>
+            <a:r>
+              <a:rPr lang="zh-CN" altLang="en-US" dirty="0"/>
+              <a:t>）与 </a:t>
+            </a:r>
+            <a:r>
+              <a:rPr lang="en-US" altLang="zh-CN" dirty="0"/>
+              <a:t>HTTP </a:t>
+            </a:r>
+            <a:r>
+              <a:rPr lang="zh-CN" altLang="en-US" dirty="0"/>
+              <a:t>协议有着良好的兼容性。默认端口也是</a:t>
+            </a:r>
+            <a:r>
+              <a:rPr lang="en-US" altLang="zh-CN" dirty="0"/>
+              <a:t>80</a:t>
+            </a:r>
+            <a:r>
+              <a:rPr lang="zh-CN" altLang="en-US" dirty="0"/>
+              <a:t>和</a:t>
+            </a:r>
+            <a:r>
+              <a:rPr lang="en-US" altLang="zh-CN" dirty="0"/>
+              <a:t>443</a:t>
+            </a:r>
+            <a:r>
+              <a:rPr lang="zh-CN" altLang="en-US" dirty="0"/>
+              <a:t>，并且握手阶段采用 </a:t>
+            </a:r>
+            <a:r>
+              <a:rPr lang="en-US" altLang="zh-CN" dirty="0"/>
+              <a:t>HTTP </a:t>
+            </a:r>
+            <a:r>
+              <a:rPr lang="zh-CN" altLang="en-US" dirty="0"/>
+              <a:t>协议，因此握手时不容易屏蔽，能通过各种 </a:t>
+            </a:r>
+            <a:r>
+              <a:rPr lang="en-US" altLang="zh-CN" dirty="0"/>
+              <a:t>HTTP </a:t>
+            </a:r>
+            <a:r>
+              <a:rPr lang="zh-CN" altLang="en-US" dirty="0"/>
+              <a:t>代理服务器。</a:t>
+            </a:r>
+          </a:p>
+          <a:p>
+            <a:r>
+              <a:rPr lang="zh-CN" altLang="en-US" dirty="0"/>
+              <a:t>（</a:t>
+            </a:r>
+            <a:r>
+              <a:rPr lang="en-US" altLang="zh-CN" dirty="0"/>
+              <a:t>3</a:t>
+            </a:r>
+            <a:r>
+              <a:rPr lang="zh-CN" altLang="en-US" dirty="0"/>
+              <a:t>）数据格式比较轻量，性能开销小，通信高效。</a:t>
+            </a:r>
+          </a:p>
+          <a:p>
+            <a:r>
+              <a:rPr lang="zh-CN" altLang="en-US" dirty="0"/>
+              <a:t>（</a:t>
+            </a:r>
+            <a:r>
+              <a:rPr lang="en-US" altLang="zh-CN" dirty="0"/>
+              <a:t>4</a:t>
+            </a:r>
+            <a:r>
+              <a:rPr lang="zh-CN" altLang="en-US" dirty="0"/>
+              <a:t>）可以发送文本，也可以发送二进制数据。</a:t>
+            </a:r>
+          </a:p>
+          <a:p>
+            <a:r>
+              <a:rPr lang="zh-CN" altLang="en-US" dirty="0"/>
+              <a:t>（</a:t>
+            </a:r>
+            <a:r>
+              <a:rPr lang="en-US" altLang="zh-CN" dirty="0"/>
+              <a:t>5</a:t>
+            </a:r>
+            <a:r>
+              <a:rPr lang="zh-CN" altLang="en-US" dirty="0"/>
+              <a:t>）没有同源限制，客户端可以与任意服务器通信。</a:t>
+            </a:r>
+          </a:p>
+          <a:p>
+            <a:r>
+              <a:rPr lang="zh-CN" altLang="en-US" dirty="0"/>
+              <a:t>（</a:t>
+            </a:r>
+            <a:r>
+              <a:rPr lang="en-US" altLang="zh-CN" dirty="0"/>
+              <a:t>6</a:t>
+            </a:r>
+            <a:r>
+              <a:rPr lang="zh-CN" altLang="en-US" dirty="0"/>
+              <a:t>）协议标识符是</a:t>
+            </a:r>
+            <a:r>
+              <a:rPr lang="en-US" altLang="zh-CN" dirty="0" err="1"/>
+              <a:t>ws</a:t>
+            </a:r>
+            <a:r>
+              <a:rPr lang="zh-CN" altLang="en-US" dirty="0"/>
+              <a:t>（如果加密，则为</a:t>
+            </a:r>
+            <a:r>
+              <a:rPr lang="en-US" altLang="zh-CN" dirty="0" err="1"/>
+              <a:t>wss</a:t>
+            </a:r>
+            <a:r>
+              <a:rPr lang="zh-CN" altLang="en-US" dirty="0"/>
+              <a:t>），服务器网址就是 </a:t>
+            </a:r>
+            <a:r>
+              <a:rPr lang="en-US" altLang="zh-CN" dirty="0"/>
+              <a:t>URL</a:t>
+            </a:r>
+            <a:r>
+              <a:rPr lang="zh-CN" altLang="en-US" dirty="0" smtClean="0"/>
+              <a:t>。</a:t>
+            </a:r>
+            <a:endParaRPr lang="zh-CN" altLang="en-US" dirty="0"/>
+          </a:p>
+        </p:txBody>
+      </p:sp>
+      <p:sp>
+        <p:nvSpPr>
+          <p:cNvPr id="4" name="TextBox 3"/>
+          <p:cNvSpPr txBox="1"/>
+          <p:nvPr/>
+        </p:nvSpPr>
+        <p:spPr>
+          <a:xfrm>
+            <a:off x="2617470" y="6297930"/>
+            <a:ext cx="6457950" cy="461665"/>
+          </a:xfrm>
+          <a:prstGeom prst="rect">
+            <a:avLst/>
+          </a:prstGeom>
+          <a:noFill/>
+        </p:spPr>
+        <p:txBody>
+          <a:bodyPr wrap="square" rtlCol="0">
+            <a:spAutoFit/>
+          </a:bodyPr>
+          <a:lstStyle/>
+          <a:p>
+            <a:r>
+              <a:rPr lang="en-US" sz="2400" dirty="0" err="1">
+                <a:latin typeface="Abadi MT Condensed Extra Bold" charset="0"/>
+                <a:ea typeface="Abadi MT Condensed Extra Bold" charset="0"/>
+                <a:cs typeface="Abadi MT Condensed Extra Bold" charset="0"/>
               </a:rPr>
-              <a:t>Oracle</a:t>
-            </a:r>
-            <a:r>
-              <a:rPr lang="zh-CN" altLang="en-US" dirty="0" smtClean="0">
-                <a:hlinkClick r:id="rId2"/>
+              <a:t>ws</a:t>
+            </a:r>
+            <a:r>
+              <a:rPr lang="en-US" sz="2400" dirty="0">
+                <a:latin typeface="Abadi MT Condensed Extra Bold" charset="0"/>
+                <a:ea typeface="Abadi MT Condensed Extra Bold" charset="0"/>
+                <a:cs typeface="Abadi MT Condensed Extra Bold" charset="0"/>
               </a:rPr>
-              <a:t>的</a:t>
-            </a:r>
-            <a:r>
-              <a:rPr lang="en-US" altLang="zh-CN" dirty="0" smtClean="0">
-                <a:hlinkClick r:id="rId2"/>
-              </a:rPr>
-              <a:t>javax.websocket</a:t>
-            </a:r>
-            <a:r>
-              <a:rPr lang="zh-CN" altLang="en-US" dirty="0" smtClean="0">
-                <a:hlinkClick r:id="rId2"/>
-              </a:rPr>
-              <a:t>介绍</a:t>
-            </a:r>
-            <a:r>
-              <a:rPr lang="zh-CN" altLang="en-US" dirty="0" smtClean="0"/>
-              <a:t> ，官网对其中的</a:t>
-            </a:r>
-            <a:r>
-              <a:rPr lang="en-US" altLang="zh-CN" dirty="0" err="1" smtClean="0"/>
-              <a:t>ServerEndpoint</a:t>
-            </a:r>
-            <a:r>
-              <a:rPr lang="zh-CN" altLang="en-US" dirty="0" smtClean="0"/>
-              <a:t>的介绍是：</a:t>
-            </a:r>
-            <a:r>
-              <a:rPr lang="en-US" altLang="zh-CN" dirty="0" err="1" smtClean="0"/>
-              <a:t>ServerEndpoint</a:t>
-            </a:r>
-            <a:r>
-              <a:rPr lang="zh-CN" altLang="en-US" dirty="0" smtClean="0"/>
-              <a:t>是</a:t>
-            </a:r>
-            <a:r>
-              <a:rPr lang="en-US" altLang="zh-CN" dirty="0" smtClean="0"/>
-              <a:t>web socket</a:t>
-            </a:r>
-            <a:r>
-              <a:rPr lang="zh-CN" altLang="en-US" dirty="0" smtClean="0"/>
-              <a:t>的一个端点，用于部署在</a:t>
-            </a:r>
-            <a:r>
-              <a:rPr lang="en-US" altLang="zh-CN" dirty="0" smtClean="0"/>
-              <a:t>URI</a:t>
-            </a:r>
-            <a:r>
-              <a:rPr lang="zh-CN" altLang="en-US" dirty="0" smtClean="0"/>
-              <a:t>空间的</a:t>
-            </a:r>
-            <a:r>
-              <a:rPr lang="en-US" altLang="zh-CN" dirty="0" smtClean="0"/>
-              <a:t>web socket</a:t>
-            </a:r>
-            <a:r>
-              <a:rPr lang="zh-CN" altLang="en-US" dirty="0" smtClean="0"/>
-              <a:t>服务，该注释允许开发者去定义公共的</a:t>
-            </a:r>
-            <a:r>
-              <a:rPr lang="en-US" altLang="zh-CN" dirty="0" smtClean="0"/>
-              <a:t>URL</a:t>
-            </a:r>
-            <a:r>
-              <a:rPr lang="zh-CN" altLang="en-US" dirty="0" smtClean="0"/>
-              <a:t>或</a:t>
-            </a:r>
-            <a:r>
-              <a:rPr lang="en-US" altLang="zh-CN" dirty="0" smtClean="0"/>
-              <a:t>URI</a:t>
-            </a:r>
-            <a:r>
-              <a:rPr lang="zh-CN" altLang="en-US" dirty="0" smtClean="0"/>
-              <a:t>模板端点和其他一些</a:t>
-            </a:r>
-            <a:r>
-              <a:rPr lang="en-US" altLang="zh-CN" dirty="0" err="1" smtClean="0"/>
-              <a:t>websocekt</a:t>
-            </a:r>
-            <a:r>
-              <a:rPr lang="zh-CN" altLang="en-US" dirty="0" smtClean="0"/>
-              <a:t>运行时的重要属性，例如</a:t>
-            </a:r>
-            <a:r>
-              <a:rPr lang="en-US" altLang="zh-CN" dirty="0" smtClean="0"/>
-              <a:t>encoder</a:t>
-            </a:r>
-            <a:r>
-              <a:rPr lang="zh-CN" altLang="en-US" dirty="0" smtClean="0"/>
-              <a:t>属性用于发送消息。</a:t>
+              <a:t>://example.com:80/some/path</a:t>
             </a:r>
           </a:p>
         </p:txBody>
@@ -3268,7 +6086,246 @@
     </p:spTree>
     <p:extLst>
       <p:ext uri="{BB962C8B-B14F-4D97-AF65-F5344CB8AC3E}">
-        <p14:creationId xmlns:p14="http://schemas.microsoft.com/office/powerpoint/2010/main" val="433118140"/>
+        <p14:creationId xmlns:p14="http://schemas.microsoft.com/office/powerpoint/2010/main" val="1542533688"/>
+      </p:ext>
+    </p:extLst>
+  </p:cSld>
+  <p:clrMapOvr>
+    <a:masterClrMapping/>
+  </p:clrMapOvr>
+</p:sld>
+</file>
+
+<file path=ppt/slides/slide8.xml><?xml version="1.0" encoding="utf-8"?>
+<p:sld xmlns:a="http://schemas.openxmlformats.org/drawingml/2006/main" xmlns:r="http://schemas.openxmlformats.org/officeDocument/2006/relationships" xmlns:p="http://schemas.openxmlformats.org/presentationml/2006/main">
+  <p:cSld>
+    <p:spTree>
+      <p:nvGrpSpPr>
+        <p:cNvPr id="1" name=""/>
+        <p:cNvGrpSpPr/>
+        <p:nvPr/>
+      </p:nvGrpSpPr>
+      <p:grpSpPr>
+        <a:xfrm>
+          <a:off x="0" y="0"/>
+          <a:ext cx="0" cy="0"/>
+          <a:chOff x="0" y="0"/>
+          <a:chExt cx="0" cy="0"/>
+        </a:xfrm>
+      </p:grpSpPr>
+      <p:sp>
+        <p:nvSpPr>
+          <p:cNvPr id="2" name="Title 1"/>
+          <p:cNvSpPr>
+            <a:spLocks noGrp="1"/>
+          </p:cNvSpPr>
+          <p:nvPr>
+            <p:ph type="title"/>
+          </p:nvPr>
+        </p:nvSpPr>
+        <p:spPr/>
+        <p:txBody>
+          <a:bodyPr/>
+          <a:lstStyle/>
+          <a:p>
+            <a:endParaRPr lang="en-US"/>
+          </a:p>
+        </p:txBody>
+      </p:sp>
+      <p:sp>
+        <p:nvSpPr>
+          <p:cNvPr id="3" name="Content Placeholder 2"/>
+          <p:cNvSpPr>
+            <a:spLocks noGrp="1"/>
+          </p:cNvSpPr>
+          <p:nvPr>
+            <p:ph idx="1"/>
+          </p:nvPr>
+        </p:nvSpPr>
+        <p:spPr/>
+        <p:txBody>
+          <a:bodyPr/>
+          <a:lstStyle/>
+          <a:p>
+            <a:endParaRPr lang="en-US"/>
+          </a:p>
+        </p:txBody>
+      </p:sp>
+      <p:pic>
+        <p:nvPicPr>
+          <p:cNvPr id="3074" name="Picture 2" descr="http://www.ruanyifeng.com/blogimg/asset/2017/bg2017051503.jpg"/>
+          <p:cNvPicPr>
+            <a:picLocks noChangeAspect="1" noChangeArrowheads="1"/>
+          </p:cNvPicPr>
+          <p:nvPr/>
+        </p:nvPicPr>
+        <p:blipFill>
+          <a:blip r:embed="rId2">
+            <a:extLst>
+              <a:ext uri="{28A0092B-C50C-407E-A947-70E740481C1C}">
+                <a14:useLocalDpi xmlns:a14="http://schemas.microsoft.com/office/drawing/2010/main" val="0"/>
+              </a:ext>
+            </a:extLst>
+          </a:blip>
+          <a:srcRect/>
+          <a:stretch>
+            <a:fillRect/>
+          </a:stretch>
+        </p:blipFill>
+        <p:spPr bwMode="auto">
+          <a:xfrm>
+            <a:off x="2356485" y="1210077"/>
+            <a:ext cx="7479030" cy="5582434"/>
+          </a:xfrm>
+          <a:prstGeom prst="rect">
+            <a:avLst/>
+          </a:prstGeom>
+          <a:noFill/>
+          <a:extLst>
+            <a:ext uri="{909E8E84-426E-40DD-AFC4-6F175D3DCCD1}">
+              <a14:hiddenFill xmlns:a14="http://schemas.microsoft.com/office/drawing/2010/main">
+                <a:solidFill>
+                  <a:srgbClr val="FFFFFF"/>
+                </a:solidFill>
+              </a14:hiddenFill>
+            </a:ext>
+          </a:extLst>
+        </p:spPr>
+      </p:pic>
+    </p:spTree>
+    <p:extLst>
+      <p:ext uri="{BB962C8B-B14F-4D97-AF65-F5344CB8AC3E}">
+        <p14:creationId xmlns:p14="http://schemas.microsoft.com/office/powerpoint/2010/main" val="1965162877"/>
+      </p:ext>
+    </p:extLst>
+  </p:cSld>
+  <p:clrMapOvr>
+    <a:masterClrMapping/>
+  </p:clrMapOvr>
+</p:sld>
+</file>
+
+<file path=ppt/slides/slide9.xml><?xml version="1.0" encoding="utf-8"?>
+<p:sld xmlns:a="http://schemas.openxmlformats.org/drawingml/2006/main" xmlns:r="http://schemas.openxmlformats.org/officeDocument/2006/relationships" xmlns:p="http://schemas.openxmlformats.org/presentationml/2006/main">
+  <p:cSld>
+    <p:spTree>
+      <p:nvGrpSpPr>
+        <p:cNvPr id="1" name=""/>
+        <p:cNvGrpSpPr/>
+        <p:nvPr/>
+      </p:nvGrpSpPr>
+      <p:grpSpPr>
+        <a:xfrm>
+          <a:off x="0" y="0"/>
+          <a:ext cx="0" cy="0"/>
+          <a:chOff x="0" y="0"/>
+          <a:chExt cx="0" cy="0"/>
+        </a:xfrm>
+      </p:grpSpPr>
+      <p:sp>
+        <p:nvSpPr>
+          <p:cNvPr id="2" name="Title 1"/>
+          <p:cNvSpPr>
+            <a:spLocks noGrp="1"/>
+          </p:cNvSpPr>
+          <p:nvPr>
+            <p:ph type="title"/>
+          </p:nvPr>
+        </p:nvSpPr>
+        <p:spPr/>
+        <p:txBody>
+          <a:bodyPr/>
+          <a:lstStyle/>
+          <a:p>
+            <a:r>
+              <a:rPr lang="zh-CN" altLang="en-US" dirty="0"/>
+              <a:t>客户端的简单</a:t>
+            </a:r>
+            <a:r>
+              <a:rPr lang="zh-CN" altLang="en-US" dirty="0" smtClean="0"/>
+              <a:t>示例</a:t>
+            </a:r>
+            <a:endParaRPr lang="en-US" dirty="0"/>
+          </a:p>
+        </p:txBody>
+      </p:sp>
+      <p:sp>
+        <p:nvSpPr>
+          <p:cNvPr id="3" name="Content Placeholder 2"/>
+          <p:cNvSpPr>
+            <a:spLocks noGrp="1"/>
+          </p:cNvSpPr>
+          <p:nvPr>
+            <p:ph idx="1"/>
+          </p:nvPr>
+        </p:nvSpPr>
+        <p:spPr/>
+        <p:txBody>
+          <a:bodyPr/>
+          <a:lstStyle/>
+          <a:p>
+            <a:r>
+              <a:rPr lang="en-US" altLang="zh-CN" dirty="0" err="1"/>
+              <a:t>WebSocket</a:t>
+            </a:r>
+            <a:r>
+              <a:rPr lang="en-US" altLang="zh-CN" dirty="0"/>
+              <a:t> </a:t>
+            </a:r>
+            <a:r>
+              <a:rPr lang="zh-CN" altLang="en-US" dirty="0"/>
+              <a:t>的用法相当简单。</a:t>
+            </a:r>
+          </a:p>
+          <a:p>
+            <a:r>
+              <a:rPr lang="zh-CN" altLang="en-US" dirty="0"/>
+              <a:t>下面是一个网页脚本的</a:t>
+            </a:r>
+            <a:r>
+              <a:rPr lang="zh-CN" altLang="en-US" dirty="0" smtClean="0"/>
+              <a:t>例子，</a:t>
+            </a:r>
+            <a:r>
+              <a:rPr lang="zh-CN" altLang="en-US" dirty="0"/>
+              <a:t>基本上一眼就能明白</a:t>
+            </a:r>
+            <a:r>
+              <a:rPr lang="zh-CN" altLang="en-US" dirty="0" smtClean="0"/>
+              <a:t>。</a:t>
+            </a:r>
+            <a:endParaRPr lang="zh-CN" altLang="en-US" dirty="0"/>
+          </a:p>
+        </p:txBody>
+      </p:sp>
+      <p:pic>
+        <p:nvPicPr>
+          <p:cNvPr id="4" name="Picture 3"/>
+          <p:cNvPicPr>
+            <a:picLocks noChangeAspect="1"/>
+          </p:cNvPicPr>
+          <p:nvPr/>
+        </p:nvPicPr>
+        <p:blipFill>
+          <a:blip r:embed="rId2"/>
+          <a:stretch>
+            <a:fillRect/>
+          </a:stretch>
+        </p:blipFill>
+        <p:spPr>
+          <a:xfrm>
+            <a:off x="2311400" y="2946400"/>
+            <a:ext cx="7569200" cy="3911600"/>
+          </a:xfrm>
+          <a:prstGeom prst="rect">
+            <a:avLst/>
+          </a:prstGeom>
+        </p:spPr>
+      </p:pic>
+    </p:spTree>
+    <p:extLst>
+      <p:ext uri="{BB962C8B-B14F-4D97-AF65-F5344CB8AC3E}">
+        <p14:creationId xmlns:p14="http://schemas.microsoft.com/office/powerpoint/2010/main" val="203444226"/>
       </p:ext>
     </p:extLst>
   </p:cSld>
